--- a/files/zhiyao/minor_issues.pptx
+++ b/files/zhiyao/minor_issues.pptx
@@ -6,6 +6,7 @@
   </p:sldMasterIdLst>
   <p:sldIdLst>
     <p:sldId id="256" r:id="rId2"/>
+    <p:sldId id="257" r:id="rId3"/>
   </p:sldIdLst>
   <p:sldSz cx="12192000" cy="6858000"/>
   <p:notesSz cx="6858000" cy="9144000"/>
@@ -104,6 +105,11 @@
       </a:defRPr>
     </a:lvl9pPr>
   </p:defaultTextStyle>
+  <p:extLst>
+    <p:ext uri="{EFAFB233-063F-42B5-8137-9DF3F51BA10A}">
+      <p15:sldGuideLst xmlns:p15="http://schemas.microsoft.com/office/powerpoint/2012/main"/>
+    </p:ext>
+  </p:extLst>
 </p:presentation>
 </file>
 
@@ -254,7 +260,7 @@
           <a:p>
             <a:fld id="{BD8744AD-7657-4663-A408-198282A8FDA6}" type="datetimeFigureOut">
               <a:rPr lang="zh-CN" altLang="en-US" smtClean="0"/>
-              <a:t>2023/8/18</a:t>
+              <a:t>2023/8/19</a:t>
             </a:fld>
             <a:endParaRPr lang="zh-CN" altLang="en-US"/>
           </a:p>
@@ -452,7 +458,7 @@
           <a:p>
             <a:fld id="{BD8744AD-7657-4663-A408-198282A8FDA6}" type="datetimeFigureOut">
               <a:rPr lang="zh-CN" altLang="en-US" smtClean="0"/>
-              <a:t>2023/8/18</a:t>
+              <a:t>2023/8/19</a:t>
             </a:fld>
             <a:endParaRPr lang="zh-CN" altLang="en-US"/>
           </a:p>
@@ -660,7 +666,7 @@
           <a:p>
             <a:fld id="{BD8744AD-7657-4663-A408-198282A8FDA6}" type="datetimeFigureOut">
               <a:rPr lang="zh-CN" altLang="en-US" smtClean="0"/>
-              <a:t>2023/8/18</a:t>
+              <a:t>2023/8/19</a:t>
             </a:fld>
             <a:endParaRPr lang="zh-CN" altLang="en-US"/>
           </a:p>
@@ -858,7 +864,7 @@
           <a:p>
             <a:fld id="{BD8744AD-7657-4663-A408-198282A8FDA6}" type="datetimeFigureOut">
               <a:rPr lang="zh-CN" altLang="en-US" smtClean="0"/>
-              <a:t>2023/8/18</a:t>
+              <a:t>2023/8/19</a:t>
             </a:fld>
             <a:endParaRPr lang="zh-CN" altLang="en-US"/>
           </a:p>
@@ -1133,7 +1139,7 @@
           <a:p>
             <a:fld id="{BD8744AD-7657-4663-A408-198282A8FDA6}" type="datetimeFigureOut">
               <a:rPr lang="zh-CN" altLang="en-US" smtClean="0"/>
-              <a:t>2023/8/18</a:t>
+              <a:t>2023/8/19</a:t>
             </a:fld>
             <a:endParaRPr lang="zh-CN" altLang="en-US"/>
           </a:p>
@@ -1398,7 +1404,7 @@
           <a:p>
             <a:fld id="{BD8744AD-7657-4663-A408-198282A8FDA6}" type="datetimeFigureOut">
               <a:rPr lang="zh-CN" altLang="en-US" smtClean="0"/>
-              <a:t>2023/8/18</a:t>
+              <a:t>2023/8/19</a:t>
             </a:fld>
             <a:endParaRPr lang="zh-CN" altLang="en-US"/>
           </a:p>
@@ -1810,7 +1816,7 @@
           <a:p>
             <a:fld id="{BD8744AD-7657-4663-A408-198282A8FDA6}" type="datetimeFigureOut">
               <a:rPr lang="zh-CN" altLang="en-US" smtClean="0"/>
-              <a:t>2023/8/18</a:t>
+              <a:t>2023/8/19</a:t>
             </a:fld>
             <a:endParaRPr lang="zh-CN" altLang="en-US"/>
           </a:p>
@@ -1951,7 +1957,7 @@
           <a:p>
             <a:fld id="{BD8744AD-7657-4663-A408-198282A8FDA6}" type="datetimeFigureOut">
               <a:rPr lang="zh-CN" altLang="en-US" smtClean="0"/>
-              <a:t>2023/8/18</a:t>
+              <a:t>2023/8/19</a:t>
             </a:fld>
             <a:endParaRPr lang="zh-CN" altLang="en-US"/>
           </a:p>
@@ -2064,7 +2070,7 @@
           <a:p>
             <a:fld id="{BD8744AD-7657-4663-A408-198282A8FDA6}" type="datetimeFigureOut">
               <a:rPr lang="zh-CN" altLang="en-US" smtClean="0"/>
-              <a:t>2023/8/18</a:t>
+              <a:t>2023/8/19</a:t>
             </a:fld>
             <a:endParaRPr lang="zh-CN" altLang="en-US"/>
           </a:p>
@@ -2375,7 +2381,7 @@
           <a:p>
             <a:fld id="{BD8744AD-7657-4663-A408-198282A8FDA6}" type="datetimeFigureOut">
               <a:rPr lang="zh-CN" altLang="en-US" smtClean="0"/>
-              <a:t>2023/8/18</a:t>
+              <a:t>2023/8/19</a:t>
             </a:fld>
             <a:endParaRPr lang="zh-CN" altLang="en-US"/>
           </a:p>
@@ -2663,7 +2669,7 @@
           <a:p>
             <a:fld id="{BD8744AD-7657-4663-A408-198282A8FDA6}" type="datetimeFigureOut">
               <a:rPr lang="zh-CN" altLang="en-US" smtClean="0"/>
-              <a:t>2023/8/18</a:t>
+              <a:t>2023/8/19</a:t>
             </a:fld>
             <a:endParaRPr lang="zh-CN" altLang="en-US"/>
           </a:p>
@@ -2904,7 +2910,7 @@
           <a:p>
             <a:fld id="{BD8744AD-7657-4663-A408-198282A8FDA6}" type="datetimeFigureOut">
               <a:rPr lang="zh-CN" altLang="en-US" smtClean="0"/>
-              <a:t>2023/8/18</a:t>
+              <a:t>2023/8/19</a:t>
             </a:fld>
             <a:endParaRPr lang="zh-CN" altLang="en-US"/>
           </a:p>
@@ -3342,7 +3348,7 @@
         </p:blipFill>
         <p:spPr>
           <a:xfrm>
-            <a:off x="232528" y="713059"/>
+            <a:off x="0" y="713059"/>
             <a:ext cx="6187126" cy="6144941"/>
           </a:xfrm>
           <a:prstGeom prst="rect">
@@ -3350,10 +3356,2749 @@
           </a:prstGeom>
         </p:spPr>
       </p:pic>
+      <p:sp>
+        <p:nvSpPr>
+          <p:cNvPr id="2" name="矩形 1">
+            <a:extLst>
+              <a:ext uri="{FF2B5EF4-FFF2-40B4-BE49-F238E27FC236}">
+                <a16:creationId xmlns:a16="http://schemas.microsoft.com/office/drawing/2014/main" id="{6166D2C2-B8DA-D889-3C34-AD39C498FFB4}"/>
+              </a:ext>
+            </a:extLst>
+          </p:cNvPr>
+          <p:cNvSpPr/>
+          <p:nvPr/>
+        </p:nvSpPr>
+        <p:spPr>
+          <a:xfrm>
+            <a:off x="2262433" y="3968684"/>
+            <a:ext cx="641023" cy="245097"/>
+          </a:xfrm>
+          <a:prstGeom prst="rect">
+            <a:avLst/>
+          </a:prstGeom>
+          <a:noFill/>
+          <a:ln w="28575">
+            <a:solidFill>
+              <a:srgbClr val="C00000"/>
+            </a:solidFill>
+          </a:ln>
+        </p:spPr>
+        <p:style>
+          <a:lnRef idx="2">
+            <a:schemeClr val="accent1">
+              <a:shade val="15000"/>
+            </a:schemeClr>
+          </a:lnRef>
+          <a:fillRef idx="1">
+            <a:schemeClr val="accent1"/>
+          </a:fillRef>
+          <a:effectRef idx="0">
+            <a:schemeClr val="accent1"/>
+          </a:effectRef>
+          <a:fontRef idx="minor">
+            <a:schemeClr val="lt1"/>
+          </a:fontRef>
+        </p:style>
+        <p:txBody>
+          <a:bodyPr rtlCol="0" anchor="ctr"/>
+          <a:lstStyle/>
+          <a:p>
+            <a:pPr algn="ctr"/>
+            <a:endParaRPr lang="zh-CN" altLang="en-US"/>
+          </a:p>
+        </p:txBody>
+      </p:sp>
+      <p:cxnSp>
+        <p:nvCxnSpPr>
+          <p:cNvPr id="4" name="直接箭头连接符 3">
+            <a:extLst>
+              <a:ext uri="{FF2B5EF4-FFF2-40B4-BE49-F238E27FC236}">
+                <a16:creationId xmlns:a16="http://schemas.microsoft.com/office/drawing/2014/main" id="{D16CCCFD-AFE9-1AE9-8894-6DF51470B4B0}"/>
+              </a:ext>
+            </a:extLst>
+          </p:cNvPr>
+          <p:cNvCxnSpPr>
+            <a:cxnSpLocks/>
+          </p:cNvCxnSpPr>
+          <p:nvPr/>
+        </p:nvCxnSpPr>
+        <p:spPr>
+          <a:xfrm>
+            <a:off x="2894029" y="4098303"/>
+            <a:ext cx="641023" cy="0"/>
+          </a:xfrm>
+          <a:prstGeom prst="straightConnector1">
+            <a:avLst/>
+          </a:prstGeom>
+          <a:ln w="38100">
+            <a:solidFill>
+              <a:srgbClr val="C00000"/>
+            </a:solidFill>
+            <a:tailEnd type="triangle"/>
+          </a:ln>
+        </p:spPr>
+        <p:style>
+          <a:lnRef idx="1">
+            <a:schemeClr val="accent1"/>
+          </a:lnRef>
+          <a:fillRef idx="0">
+            <a:schemeClr val="accent1"/>
+          </a:fillRef>
+          <a:effectRef idx="0">
+            <a:schemeClr val="accent1"/>
+          </a:effectRef>
+          <a:fontRef idx="minor">
+            <a:schemeClr val="tx1"/>
+          </a:fontRef>
+        </p:style>
+      </p:cxnSp>
+      <p:sp>
+        <p:nvSpPr>
+          <p:cNvPr id="7" name="文本框 6">
+            <a:extLst>
+              <a:ext uri="{FF2B5EF4-FFF2-40B4-BE49-F238E27FC236}">
+                <a16:creationId xmlns:a16="http://schemas.microsoft.com/office/drawing/2014/main" id="{60D34EAA-0DF0-EE1F-19AB-099222770C1D}"/>
+              </a:ext>
+            </a:extLst>
+          </p:cNvPr>
+          <p:cNvSpPr txBox="1"/>
+          <p:nvPr/>
+        </p:nvSpPr>
+        <p:spPr>
+          <a:xfrm>
+            <a:off x="3472827" y="3917504"/>
+            <a:ext cx="938077" cy="338554"/>
+          </a:xfrm>
+          <a:prstGeom prst="rect">
+            <a:avLst/>
+          </a:prstGeom>
+          <a:noFill/>
+        </p:spPr>
+        <p:txBody>
+          <a:bodyPr wrap="none" rtlCol="0">
+            <a:spAutoFit/>
+          </a:bodyPr>
+          <a:lstStyle/>
+          <a:p>
+            <a:r>
+              <a:rPr lang="en-US" altLang="zh-CN" sz="1600" b="1" dirty="0">
+                <a:solidFill>
+                  <a:srgbClr val="C00000"/>
+                </a:solidFill>
+                <a:latin typeface="Times New Roman" panose="02020603050405020304" pitchFamily="18" charset="0"/>
+                <a:cs typeface="Times New Roman" panose="02020603050405020304" pitchFamily="18" charset="0"/>
+              </a:rPr>
+              <a:t>continue</a:t>
+            </a:r>
+            <a:endParaRPr lang="zh-CN" altLang="en-US" sz="1600" b="1" dirty="0">
+              <a:solidFill>
+                <a:srgbClr val="C00000"/>
+              </a:solidFill>
+              <a:latin typeface="Times New Roman" panose="02020603050405020304" pitchFamily="18" charset="0"/>
+              <a:cs typeface="Times New Roman" panose="02020603050405020304" pitchFamily="18" charset="0"/>
+            </a:endParaRPr>
+          </a:p>
+        </p:txBody>
+      </p:sp>
+      <p:sp>
+        <p:nvSpPr>
+          <p:cNvPr id="9" name="文本框 8">
+            <a:extLst>
+              <a:ext uri="{FF2B5EF4-FFF2-40B4-BE49-F238E27FC236}">
+                <a16:creationId xmlns:a16="http://schemas.microsoft.com/office/drawing/2014/main" id="{986E731D-E4FA-9210-B175-B3F68D92634B}"/>
+              </a:ext>
+            </a:extLst>
+          </p:cNvPr>
+          <p:cNvSpPr txBox="1"/>
+          <p:nvPr/>
+        </p:nvSpPr>
+        <p:spPr>
+          <a:xfrm>
+            <a:off x="173263" y="189839"/>
+            <a:ext cx="8475281" cy="523220"/>
+          </a:xfrm>
+          <a:prstGeom prst="rect">
+            <a:avLst/>
+          </a:prstGeom>
+          <a:noFill/>
+        </p:spPr>
+        <p:txBody>
+          <a:bodyPr wrap="square" rtlCol="0">
+            <a:spAutoFit/>
+          </a:bodyPr>
+          <a:lstStyle/>
+          <a:p>
+            <a:r>
+              <a:rPr lang="en-US" altLang="zh-CN" sz="2800" b="1" dirty="0">
+                <a:latin typeface="Times New Roman" panose="02020603050405020304" pitchFamily="18" charset="0"/>
+                <a:cs typeface="Times New Roman" panose="02020603050405020304" pitchFamily="18" charset="0"/>
+              </a:rPr>
+              <a:t>A Minor Issue in Line 8, Algorithm 1, </a:t>
+            </a:r>
+            <a:r>
+              <a:rPr lang="en-US" altLang="zh-CN" sz="2800" b="1" dirty="0" err="1">
+                <a:latin typeface="Times New Roman" panose="02020603050405020304" pitchFamily="18" charset="0"/>
+                <a:cs typeface="Times New Roman" panose="02020603050405020304" pitchFamily="18" charset="0"/>
+              </a:rPr>
+              <a:t>RouteNet</a:t>
+            </a:r>
+            <a:endParaRPr lang="zh-CN" altLang="en-US" sz="2800" b="1" dirty="0">
+              <a:latin typeface="Times New Roman" panose="02020603050405020304" pitchFamily="18" charset="0"/>
+              <a:cs typeface="Times New Roman" panose="02020603050405020304" pitchFamily="18" charset="0"/>
+            </a:endParaRPr>
+          </a:p>
+        </p:txBody>
+      </p:sp>
+      <mc:AlternateContent xmlns:mc="http://schemas.openxmlformats.org/markup-compatibility/2006">
+        <mc:Choice xmlns:a14="http://schemas.microsoft.com/office/drawing/2010/main" Requires="a14">
+          <p:sp>
+            <p:nvSpPr>
+              <p:cNvPr id="10" name="文本框 9">
+                <a:extLst>
+                  <a:ext uri="{FF2B5EF4-FFF2-40B4-BE49-F238E27FC236}">
+                    <a16:creationId xmlns:a16="http://schemas.microsoft.com/office/drawing/2014/main" id="{1BC0EE8A-A035-9757-5584-73ACEE7067E1}"/>
+                  </a:ext>
+                </a:extLst>
+              </p:cNvPr>
+              <p:cNvSpPr txBox="1"/>
+              <p:nvPr/>
+            </p:nvSpPr>
+            <p:spPr>
+              <a:xfrm>
+                <a:off x="6095998" y="1313829"/>
+                <a:ext cx="5879183" cy="830997"/>
+              </a:xfrm>
+              <a:prstGeom prst="rect">
+                <a:avLst/>
+              </a:prstGeom>
+              <a:noFill/>
+            </p:spPr>
+            <p:txBody>
+              <a:bodyPr wrap="square" rtlCol="0">
+                <a:spAutoFit/>
+              </a:bodyPr>
+              <a:lstStyle/>
+              <a:p>
+                <a:pPr marL="285750" indent="-285750" algn="just">
+                  <a:buFont typeface="Arial" panose="020B0604020202020204" pitchFamily="34" charset="0"/>
+                  <a:buChar char="•"/>
+                </a:pPr>
+                <a:r>
+                  <a:rPr lang="en-US" altLang="zh-CN" sz="1600" dirty="0">
+                    <a:solidFill>
+                      <a:schemeClr val="tx1"/>
+                    </a:solidFill>
+                    <a:latin typeface="Times New Roman" panose="02020603050405020304" pitchFamily="18" charset="0"/>
+                    <a:cs typeface="Times New Roman" panose="02020603050405020304" pitchFamily="18" charset="0"/>
+                  </a:rPr>
+                  <a:t>In the preprocess stage, the algorithm attempts to categorize the features </a:t>
+                </a:r>
+                <a14:m>
+                  <m:oMath xmlns:m="http://schemas.openxmlformats.org/officeDocument/2006/math">
+                    <m:sSub>
+                      <m:sSubPr>
+                        <m:ctrlPr>
+                          <a:rPr lang="en-US" altLang="zh-CN" sz="1600" i="1" smtClean="0">
+                            <a:solidFill>
+                              <a:schemeClr val="tx1"/>
+                            </a:solidFill>
+                            <a:latin typeface="Cambria Math" panose="02040503050406030204" pitchFamily="18" charset="0"/>
+                            <a:cs typeface="Times New Roman" panose="02020603050405020304" pitchFamily="18" charset="0"/>
+                          </a:rPr>
+                        </m:ctrlPr>
+                      </m:sSubPr>
+                      <m:e>
+                        <m:r>
+                          <a:rPr lang="en-US" altLang="zh-CN" sz="1600" b="0" i="1" smtClean="0">
+                            <a:solidFill>
+                              <a:schemeClr val="tx1"/>
+                            </a:solidFill>
+                            <a:latin typeface="Cambria Math" panose="02040503050406030204" pitchFamily="18" charset="0"/>
+                            <a:cs typeface="Times New Roman" panose="02020603050405020304" pitchFamily="18" charset="0"/>
+                          </a:rPr>
+                          <m:t>𝑋</m:t>
+                        </m:r>
+                      </m:e>
+                      <m:sub>
+                        <m:r>
+                          <a:rPr lang="en-US" altLang="zh-CN" sz="1600" b="0" i="1" smtClean="0">
+                            <a:solidFill>
+                              <a:schemeClr val="tx1"/>
+                            </a:solidFill>
+                            <a:latin typeface="Cambria Math" panose="02040503050406030204" pitchFamily="18" charset="0"/>
+                            <a:cs typeface="Times New Roman" panose="02020603050405020304" pitchFamily="18" charset="0"/>
+                          </a:rPr>
+                          <m:t>𝑖</m:t>
+                        </m:r>
+                      </m:sub>
+                    </m:sSub>
+                  </m:oMath>
+                </a14:m>
+                <a:r>
+                  <a:rPr lang="zh-CN" altLang="en-US" sz="1600" dirty="0">
+                    <a:solidFill>
+                      <a:schemeClr val="tx1"/>
+                    </a:solidFill>
+                    <a:latin typeface="Times New Roman" panose="02020603050405020304" pitchFamily="18" charset="0"/>
+                    <a:cs typeface="Times New Roman" panose="02020603050405020304" pitchFamily="18" charset="0"/>
+                  </a:rPr>
+                  <a:t> </a:t>
+                </a:r>
+                <a:r>
+                  <a:rPr lang="en-US" altLang="zh-CN" sz="1600" dirty="0">
+                    <a:solidFill>
+                      <a:schemeClr val="tx1"/>
+                    </a:solidFill>
+                    <a:latin typeface="Times New Roman" panose="02020603050405020304" pitchFamily="18" charset="0"/>
+                    <a:cs typeface="Times New Roman" panose="02020603050405020304" pitchFamily="18" charset="0"/>
+                  </a:rPr>
+                  <a:t>into 4 group, </a:t>
+                </a:r>
+                <a14:m>
+                  <m:oMath xmlns:m="http://schemas.openxmlformats.org/officeDocument/2006/math">
+                    <m:sSub>
+                      <m:sSubPr>
+                        <m:ctrlPr>
+                          <a:rPr lang="en-US" altLang="zh-CN" sz="1600" i="1">
+                            <a:latin typeface="Cambria Math" panose="02040503050406030204" pitchFamily="18" charset="0"/>
+                            <a:cs typeface="Times New Roman" panose="02020603050405020304" pitchFamily="18" charset="0"/>
+                          </a:rPr>
+                        </m:ctrlPr>
+                      </m:sSubPr>
+                      <m:e>
+                        <m:r>
+                          <a:rPr lang="en-US" altLang="zh-CN" sz="1600" b="0" i="1" smtClean="0">
+                            <a:latin typeface="Cambria Math" panose="02040503050406030204" pitchFamily="18" charset="0"/>
+                            <a:cs typeface="Times New Roman" panose="02020603050405020304" pitchFamily="18" charset="0"/>
+                          </a:rPr>
+                          <m:t>𝐶</m:t>
+                        </m:r>
+                      </m:e>
+                      <m:sub>
+                        <m:r>
+                          <a:rPr lang="en-US" altLang="zh-CN" sz="1600" b="0" i="1" smtClean="0">
+                            <a:latin typeface="Cambria Math" panose="02040503050406030204" pitchFamily="18" charset="0"/>
+                            <a:cs typeface="Times New Roman" panose="02020603050405020304" pitchFamily="18" charset="0"/>
+                          </a:rPr>
+                          <m:t>0</m:t>
+                        </m:r>
+                      </m:sub>
+                    </m:sSub>
+                  </m:oMath>
+                </a14:m>
+                <a:r>
+                  <a:rPr lang="en-US" altLang="zh-CN" sz="1600" dirty="0">
+                    <a:solidFill>
+                      <a:schemeClr val="tx1"/>
+                    </a:solidFill>
+                    <a:latin typeface="Times New Roman" panose="02020603050405020304" pitchFamily="18" charset="0"/>
+                    <a:cs typeface="Times New Roman" panose="02020603050405020304" pitchFamily="18" charset="0"/>
+                  </a:rPr>
+                  <a:t>, </a:t>
+                </a:r>
+                <a14:m>
+                  <m:oMath xmlns:m="http://schemas.openxmlformats.org/officeDocument/2006/math">
+                    <m:sSub>
+                      <m:sSubPr>
+                        <m:ctrlPr>
+                          <a:rPr lang="en-US" altLang="zh-CN" sz="1600" i="1">
+                            <a:latin typeface="Cambria Math" panose="02040503050406030204" pitchFamily="18" charset="0"/>
+                            <a:cs typeface="Times New Roman" panose="02020603050405020304" pitchFamily="18" charset="0"/>
+                          </a:rPr>
+                        </m:ctrlPr>
+                      </m:sSubPr>
+                      <m:e>
+                        <m:r>
+                          <a:rPr lang="en-US" altLang="zh-CN" sz="1600" i="1">
+                            <a:latin typeface="Cambria Math" panose="02040503050406030204" pitchFamily="18" charset="0"/>
+                            <a:cs typeface="Times New Roman" panose="02020603050405020304" pitchFamily="18" charset="0"/>
+                          </a:rPr>
+                          <m:t>𝐶</m:t>
+                        </m:r>
+                      </m:e>
+                      <m:sub>
+                        <m:r>
+                          <a:rPr lang="en-US" altLang="zh-CN" sz="1600" b="0" i="1" smtClean="0">
+                            <a:latin typeface="Cambria Math" panose="02040503050406030204" pitchFamily="18" charset="0"/>
+                            <a:cs typeface="Times New Roman" panose="02020603050405020304" pitchFamily="18" charset="0"/>
+                          </a:rPr>
+                          <m:t>1</m:t>
+                        </m:r>
+                      </m:sub>
+                    </m:sSub>
+                  </m:oMath>
+                </a14:m>
+                <a:r>
+                  <a:rPr lang="en-US" altLang="zh-CN" sz="1600" dirty="0">
+                    <a:solidFill>
+                      <a:schemeClr val="tx1"/>
+                    </a:solidFill>
+                    <a:latin typeface="Times New Roman" panose="02020603050405020304" pitchFamily="18" charset="0"/>
+                    <a:cs typeface="Times New Roman" panose="02020603050405020304" pitchFamily="18" charset="0"/>
+                  </a:rPr>
+                  <a:t>, </a:t>
+                </a:r>
+                <a14:m>
+                  <m:oMath xmlns:m="http://schemas.openxmlformats.org/officeDocument/2006/math">
+                    <m:sSub>
+                      <m:sSubPr>
+                        <m:ctrlPr>
+                          <a:rPr lang="en-US" altLang="zh-CN" sz="1600" i="1">
+                            <a:latin typeface="Cambria Math" panose="02040503050406030204" pitchFamily="18" charset="0"/>
+                            <a:cs typeface="Times New Roman" panose="02020603050405020304" pitchFamily="18" charset="0"/>
+                          </a:rPr>
+                        </m:ctrlPr>
+                      </m:sSubPr>
+                      <m:e>
+                        <m:r>
+                          <a:rPr lang="en-US" altLang="zh-CN" sz="1600" i="1">
+                            <a:latin typeface="Cambria Math" panose="02040503050406030204" pitchFamily="18" charset="0"/>
+                            <a:cs typeface="Times New Roman" panose="02020603050405020304" pitchFamily="18" charset="0"/>
+                          </a:rPr>
+                          <m:t>𝐶</m:t>
+                        </m:r>
+                      </m:e>
+                      <m:sub>
+                        <m:r>
+                          <a:rPr lang="en-US" altLang="zh-CN" sz="1600" b="0" i="1" smtClean="0">
+                            <a:latin typeface="Cambria Math" panose="02040503050406030204" pitchFamily="18" charset="0"/>
+                            <a:cs typeface="Times New Roman" panose="02020603050405020304" pitchFamily="18" charset="0"/>
+                          </a:rPr>
+                          <m:t>2</m:t>
+                        </m:r>
+                      </m:sub>
+                    </m:sSub>
+                  </m:oMath>
+                </a14:m>
+                <a:r>
+                  <a:rPr lang="en-US" altLang="zh-CN" sz="1600" dirty="0">
+                    <a:solidFill>
+                      <a:schemeClr val="tx1"/>
+                    </a:solidFill>
+                    <a:latin typeface="Times New Roman" panose="02020603050405020304" pitchFamily="18" charset="0"/>
+                    <a:cs typeface="Times New Roman" panose="02020603050405020304" pitchFamily="18" charset="0"/>
+                  </a:rPr>
+                  <a:t> and </a:t>
+                </a:r>
+                <a14:m>
+                  <m:oMath xmlns:m="http://schemas.openxmlformats.org/officeDocument/2006/math">
+                    <m:sSub>
+                      <m:sSubPr>
+                        <m:ctrlPr>
+                          <a:rPr lang="en-US" altLang="zh-CN" sz="1600" i="1">
+                            <a:latin typeface="Cambria Math" panose="02040503050406030204" pitchFamily="18" charset="0"/>
+                            <a:cs typeface="Times New Roman" panose="02020603050405020304" pitchFamily="18" charset="0"/>
+                          </a:rPr>
+                        </m:ctrlPr>
+                      </m:sSubPr>
+                      <m:e>
+                        <m:r>
+                          <a:rPr lang="en-US" altLang="zh-CN" sz="1600" i="1">
+                            <a:latin typeface="Cambria Math" panose="02040503050406030204" pitchFamily="18" charset="0"/>
+                            <a:cs typeface="Times New Roman" panose="02020603050405020304" pitchFamily="18" charset="0"/>
+                          </a:rPr>
+                          <m:t>𝐶</m:t>
+                        </m:r>
+                      </m:e>
+                      <m:sub>
+                        <m:r>
+                          <a:rPr lang="en-US" altLang="zh-CN" sz="1600" b="0" i="1" smtClean="0">
+                            <a:latin typeface="Cambria Math" panose="02040503050406030204" pitchFamily="18" charset="0"/>
+                            <a:cs typeface="Times New Roman" panose="02020603050405020304" pitchFamily="18" charset="0"/>
+                          </a:rPr>
+                          <m:t>3</m:t>
+                        </m:r>
+                      </m:sub>
+                    </m:sSub>
+                  </m:oMath>
+                </a14:m>
+                <a:r>
+                  <a:rPr lang="en-US" altLang="zh-CN" sz="1600" dirty="0">
+                    <a:solidFill>
+                      <a:schemeClr val="tx1"/>
+                    </a:solidFill>
+                    <a:latin typeface="Times New Roman" panose="02020603050405020304" pitchFamily="18" charset="0"/>
+                    <a:cs typeface="Times New Roman" panose="02020603050405020304" pitchFamily="18" charset="0"/>
+                  </a:rPr>
+                  <a:t>, according to their labels </a:t>
+                </a:r>
+                <a14:m>
+                  <m:oMath xmlns:m="http://schemas.openxmlformats.org/officeDocument/2006/math">
+                    <m:sSub>
+                      <m:sSubPr>
+                        <m:ctrlPr>
+                          <a:rPr lang="en-US" altLang="zh-CN" sz="1600" i="1">
+                            <a:latin typeface="Cambria Math" panose="02040503050406030204" pitchFamily="18" charset="0"/>
+                            <a:cs typeface="Times New Roman" panose="02020603050405020304" pitchFamily="18" charset="0"/>
+                          </a:rPr>
+                        </m:ctrlPr>
+                      </m:sSubPr>
+                      <m:e>
+                        <m:r>
+                          <a:rPr lang="en-US" altLang="zh-CN" sz="1600" b="0" i="1" smtClean="0">
+                            <a:latin typeface="Cambria Math" panose="02040503050406030204" pitchFamily="18" charset="0"/>
+                            <a:cs typeface="Times New Roman" panose="02020603050405020304" pitchFamily="18" charset="0"/>
+                          </a:rPr>
+                          <m:t>𝑦</m:t>
+                        </m:r>
+                      </m:e>
+                      <m:sub>
+                        <m:r>
+                          <a:rPr lang="en-US" altLang="zh-CN" sz="1600" i="1">
+                            <a:latin typeface="Cambria Math" panose="02040503050406030204" pitchFamily="18" charset="0"/>
+                            <a:cs typeface="Times New Roman" panose="02020603050405020304" pitchFamily="18" charset="0"/>
+                          </a:rPr>
+                          <m:t>𝑖</m:t>
+                        </m:r>
+                      </m:sub>
+                    </m:sSub>
+                  </m:oMath>
+                </a14:m>
+                <a:r>
+                  <a:rPr lang="en-US" altLang="zh-CN" sz="1600" dirty="0">
+                    <a:solidFill>
+                      <a:schemeClr val="tx1"/>
+                    </a:solidFill>
+                    <a:latin typeface="Times New Roman" panose="02020603050405020304" pitchFamily="18" charset="0"/>
+                    <a:cs typeface="Times New Roman" panose="02020603050405020304" pitchFamily="18" charset="0"/>
+                  </a:rPr>
+                  <a:t>,  the number of design rule violation (#</a:t>
+                </a:r>
+                <a:r>
+                  <a:rPr lang="en-US" altLang="zh-CN" sz="1600" dirty="0" err="1">
+                    <a:solidFill>
+                      <a:schemeClr val="tx1"/>
+                    </a:solidFill>
+                    <a:latin typeface="Times New Roman" panose="02020603050405020304" pitchFamily="18" charset="0"/>
+                    <a:cs typeface="Times New Roman" panose="02020603050405020304" pitchFamily="18" charset="0"/>
+                  </a:rPr>
+                  <a:t>DRV</a:t>
+                </a:r>
+                <a:r>
+                  <a:rPr lang="en-US" altLang="zh-CN" sz="1600" dirty="0">
+                    <a:solidFill>
+                      <a:schemeClr val="tx1"/>
+                    </a:solidFill>
+                    <a:latin typeface="Times New Roman" panose="02020603050405020304" pitchFamily="18" charset="0"/>
+                    <a:cs typeface="Times New Roman" panose="02020603050405020304" pitchFamily="18" charset="0"/>
+                  </a:rPr>
+                  <a:t>).</a:t>
+                </a:r>
+                <a:endParaRPr lang="zh-CN" altLang="en-US" sz="1600" dirty="0">
+                  <a:solidFill>
+                    <a:schemeClr val="tx1"/>
+                  </a:solidFill>
+                  <a:latin typeface="Times New Roman" panose="02020603050405020304" pitchFamily="18" charset="0"/>
+                  <a:cs typeface="Times New Roman" panose="02020603050405020304" pitchFamily="18" charset="0"/>
+                </a:endParaRPr>
+              </a:p>
+            </p:txBody>
+          </p:sp>
+        </mc:Choice>
+        <mc:Fallback>
+          <p:sp>
+            <p:nvSpPr>
+              <p:cNvPr id="10" name="文本框 9">
+                <a:extLst>
+                  <a:ext uri="{FF2B5EF4-FFF2-40B4-BE49-F238E27FC236}">
+                    <a16:creationId xmlns:a16="http://schemas.microsoft.com/office/drawing/2014/main" id="{1BC0EE8A-A035-9757-5584-73ACEE7067E1}"/>
+                  </a:ext>
+                </a:extLst>
+              </p:cNvPr>
+              <p:cNvSpPr txBox="1">
+                <a:spLocks noRot="1" noChangeAspect="1" noMove="1" noResize="1" noEditPoints="1" noAdjustHandles="1" noChangeArrowheads="1" noChangeShapeType="1" noTextEdit="1"/>
+              </p:cNvSpPr>
+              <p:nvPr/>
+            </p:nvSpPr>
+            <p:spPr>
+              <a:xfrm>
+                <a:off x="6095998" y="1313829"/>
+                <a:ext cx="5879183" cy="830997"/>
+              </a:xfrm>
+              <a:prstGeom prst="rect">
+                <a:avLst/>
+              </a:prstGeom>
+              <a:blipFill>
+                <a:blip r:embed="rId3"/>
+                <a:stretch>
+                  <a:fillRect l="-415" t="-2206" r="-519" b="-8824"/>
+                </a:stretch>
+              </a:blipFill>
+            </p:spPr>
+            <p:txBody>
+              <a:bodyPr/>
+              <a:lstStyle/>
+              <a:p>
+                <a:r>
+                  <a:rPr lang="zh-CN" altLang="en-US">
+                    <a:noFill/>
+                  </a:rPr>
+                  <a:t> </a:t>
+                </a:r>
+              </a:p>
+            </p:txBody>
+          </p:sp>
+        </mc:Fallback>
+      </mc:AlternateContent>
+      <mc:AlternateContent xmlns:mc="http://schemas.openxmlformats.org/markup-compatibility/2006">
+        <mc:Choice xmlns:a14="http://schemas.microsoft.com/office/drawing/2010/main" Requires="a14">
+          <p:sp>
+            <p:nvSpPr>
+              <p:cNvPr id="11" name="文本框 10">
+                <a:extLst>
+                  <a:ext uri="{FF2B5EF4-FFF2-40B4-BE49-F238E27FC236}">
+                    <a16:creationId xmlns:a16="http://schemas.microsoft.com/office/drawing/2014/main" id="{C145E828-7DE7-230F-FCB1-8B6F9F60CF7B}"/>
+                  </a:ext>
+                </a:extLst>
+              </p:cNvPr>
+              <p:cNvSpPr txBox="1"/>
+              <p:nvPr/>
+            </p:nvSpPr>
+            <p:spPr>
+              <a:xfrm>
+                <a:off x="6095997" y="2661870"/>
+                <a:ext cx="5879183" cy="2308324"/>
+              </a:xfrm>
+              <a:prstGeom prst="rect">
+                <a:avLst/>
+              </a:prstGeom>
+              <a:noFill/>
+            </p:spPr>
+            <p:txBody>
+              <a:bodyPr wrap="square" rtlCol="0">
+                <a:spAutoFit/>
+              </a:bodyPr>
+              <a:lstStyle/>
+              <a:p>
+                <a:pPr marL="285750" indent="-285750" algn="just">
+                  <a:buFont typeface="Arial" panose="020B0604020202020204" pitchFamily="34" charset="0"/>
+                  <a:buChar char="•"/>
+                </a:pPr>
+                <a:r>
+                  <a:rPr lang="en-US" altLang="zh-CN" sz="1600" dirty="0">
+                    <a:latin typeface="Times New Roman" panose="02020603050405020304" pitchFamily="18" charset="0"/>
+                    <a:cs typeface="Times New Roman" panose="02020603050405020304" pitchFamily="18" charset="0"/>
+                  </a:rPr>
+                  <a:t>The "for" loop in lines 6 to 8 is designed to iterate through each </a:t>
+                </a:r>
+                <a14:m>
+                  <m:oMath xmlns:m="http://schemas.openxmlformats.org/officeDocument/2006/math">
+                    <m:sSub>
+                      <m:sSubPr>
+                        <m:ctrlPr>
+                          <a:rPr lang="en-US" altLang="zh-CN" sz="1600" i="1">
+                            <a:latin typeface="Cambria Math" panose="02040503050406030204" pitchFamily="18" charset="0"/>
+                            <a:cs typeface="Times New Roman" panose="02020603050405020304" pitchFamily="18" charset="0"/>
+                          </a:rPr>
+                        </m:ctrlPr>
+                      </m:sSubPr>
+                      <m:e>
+                        <m:r>
+                          <a:rPr lang="en-US" altLang="zh-CN" sz="1600" b="0" i="1" smtClean="0">
+                            <a:latin typeface="Cambria Math" panose="02040503050406030204" pitchFamily="18" charset="0"/>
+                            <a:cs typeface="Times New Roman" panose="02020603050405020304" pitchFamily="18" charset="0"/>
+                          </a:rPr>
+                          <m:t>𝑞</m:t>
+                        </m:r>
+                      </m:e>
+                      <m:sub>
+                        <m:r>
+                          <a:rPr lang="en-US" altLang="zh-CN" sz="1600" b="0" i="1" smtClean="0">
+                            <a:latin typeface="Cambria Math" panose="02040503050406030204" pitchFamily="18" charset="0"/>
+                            <a:cs typeface="Times New Roman" panose="02020603050405020304" pitchFamily="18" charset="0"/>
+                          </a:rPr>
+                          <m:t>𝑡</m:t>
+                        </m:r>
+                      </m:sub>
+                    </m:sSub>
+                  </m:oMath>
+                </a14:m>
+                <a:r>
+                  <a:rPr lang="en-US" altLang="zh-CN" sz="1600" dirty="0">
+                    <a:solidFill>
+                      <a:schemeClr val="tx1"/>
+                    </a:solidFill>
+                    <a:latin typeface="Times New Roman" panose="02020603050405020304" pitchFamily="18" charset="0"/>
+                    <a:cs typeface="Times New Roman" panose="02020603050405020304" pitchFamily="18" charset="0"/>
+                  </a:rPr>
+                  <a:t>. When the value of </a:t>
+                </a:r>
+                <a14:m>
+                  <m:oMath xmlns:m="http://schemas.openxmlformats.org/officeDocument/2006/math">
+                    <m:sSub>
+                      <m:sSubPr>
+                        <m:ctrlPr>
+                          <a:rPr lang="en-US" altLang="zh-CN" sz="1600" i="1">
+                            <a:latin typeface="Cambria Math" panose="02040503050406030204" pitchFamily="18" charset="0"/>
+                            <a:cs typeface="Times New Roman" panose="02020603050405020304" pitchFamily="18" charset="0"/>
+                          </a:rPr>
+                        </m:ctrlPr>
+                      </m:sSubPr>
+                      <m:e>
+                        <m:r>
+                          <a:rPr lang="en-US" altLang="zh-CN" sz="1600" i="1">
+                            <a:latin typeface="Cambria Math" panose="02040503050406030204" pitchFamily="18" charset="0"/>
+                            <a:cs typeface="Times New Roman" panose="02020603050405020304" pitchFamily="18" charset="0"/>
+                          </a:rPr>
+                          <m:t>𝑦</m:t>
+                        </m:r>
+                      </m:e>
+                      <m:sub>
+                        <m:r>
+                          <a:rPr lang="en-US" altLang="zh-CN" sz="1600" i="1">
+                            <a:latin typeface="Cambria Math" panose="02040503050406030204" pitchFamily="18" charset="0"/>
+                            <a:cs typeface="Times New Roman" panose="02020603050405020304" pitchFamily="18" charset="0"/>
+                          </a:rPr>
+                          <m:t>𝑖</m:t>
+                        </m:r>
+                      </m:sub>
+                    </m:sSub>
+                  </m:oMath>
+                </a14:m>
+                <a:r>
+                  <a:rPr lang="en-US" altLang="zh-CN" sz="1600" dirty="0">
+                    <a:solidFill>
+                      <a:schemeClr val="tx1"/>
+                    </a:solidFill>
+                    <a:latin typeface="Times New Roman" panose="02020603050405020304" pitchFamily="18" charset="0"/>
+                    <a:cs typeface="Times New Roman" panose="02020603050405020304" pitchFamily="18" charset="0"/>
+                  </a:rPr>
+                  <a:t> exceeds </a:t>
+                </a:r>
+                <a14:m>
+                  <m:oMath xmlns:m="http://schemas.openxmlformats.org/officeDocument/2006/math">
+                    <m:sSub>
+                      <m:sSubPr>
+                        <m:ctrlPr>
+                          <a:rPr lang="en-US" altLang="zh-CN" sz="1600" i="1">
+                            <a:latin typeface="Cambria Math" panose="02040503050406030204" pitchFamily="18" charset="0"/>
+                            <a:cs typeface="Times New Roman" panose="02020603050405020304" pitchFamily="18" charset="0"/>
+                          </a:rPr>
+                        </m:ctrlPr>
+                      </m:sSubPr>
+                      <m:e>
+                        <m:r>
+                          <a:rPr lang="en-US" altLang="zh-CN" sz="1600" i="1">
+                            <a:latin typeface="Cambria Math" panose="02040503050406030204" pitchFamily="18" charset="0"/>
+                            <a:cs typeface="Times New Roman" panose="02020603050405020304" pitchFamily="18" charset="0"/>
+                          </a:rPr>
+                          <m:t>𝑞</m:t>
+                        </m:r>
+                      </m:e>
+                      <m:sub>
+                        <m:r>
+                          <a:rPr lang="en-US" altLang="zh-CN" sz="1600" i="1">
+                            <a:latin typeface="Cambria Math" panose="02040503050406030204" pitchFamily="18" charset="0"/>
+                            <a:cs typeface="Times New Roman" panose="02020603050405020304" pitchFamily="18" charset="0"/>
+                          </a:rPr>
+                          <m:t>𝑡</m:t>
+                        </m:r>
+                      </m:sub>
+                    </m:sSub>
+                  </m:oMath>
+                </a14:m>
+                <a:r>
+                  <a:rPr lang="en-US" altLang="zh-CN" sz="1600" dirty="0">
+                    <a:latin typeface="Times New Roman" panose="02020603050405020304" pitchFamily="18" charset="0"/>
+                    <a:cs typeface="Times New Roman" panose="02020603050405020304" pitchFamily="18" charset="0"/>
+                  </a:rPr>
+                  <a:t>, it is categorized into group</a:t>
+                </a:r>
+                <a14:m>
+                  <m:oMath xmlns:m="http://schemas.openxmlformats.org/officeDocument/2006/math">
+                    <m:r>
+                      <a:rPr lang="en-US" altLang="zh-CN" sz="1600" b="0" i="0" smtClean="0">
+                        <a:latin typeface="Cambria Math" panose="02040503050406030204" pitchFamily="18" charset="0"/>
+                        <a:cs typeface="Times New Roman" panose="02020603050405020304" pitchFamily="18" charset="0"/>
+                      </a:rPr>
+                      <m:t> </m:t>
+                    </m:r>
+                    <m:sSub>
+                      <m:sSubPr>
+                        <m:ctrlPr>
+                          <a:rPr lang="en-US" altLang="zh-CN" sz="1600" i="1">
+                            <a:latin typeface="Cambria Math" panose="02040503050406030204" pitchFamily="18" charset="0"/>
+                            <a:cs typeface="Times New Roman" panose="02020603050405020304" pitchFamily="18" charset="0"/>
+                          </a:rPr>
+                        </m:ctrlPr>
+                      </m:sSubPr>
+                      <m:e>
+                        <m:r>
+                          <a:rPr lang="en-US" altLang="zh-CN" sz="1600" i="1">
+                            <a:latin typeface="Cambria Math" panose="02040503050406030204" pitchFamily="18" charset="0"/>
+                            <a:cs typeface="Times New Roman" panose="02020603050405020304" pitchFamily="18" charset="0"/>
+                          </a:rPr>
+                          <m:t>𝐶</m:t>
+                        </m:r>
+                      </m:e>
+                      <m:sub>
+                        <m:r>
+                          <a:rPr lang="en-US" altLang="zh-CN" sz="1600" b="0" i="1" smtClean="0">
+                            <a:latin typeface="Cambria Math" panose="02040503050406030204" pitchFamily="18" charset="0"/>
+                            <a:cs typeface="Times New Roman" panose="02020603050405020304" pitchFamily="18" charset="0"/>
+                          </a:rPr>
+                          <m:t>𝑡</m:t>
+                        </m:r>
+                      </m:sub>
+                    </m:sSub>
+                  </m:oMath>
+                </a14:m>
+                <a:r>
+                  <a:rPr lang="en-US" altLang="zh-CN" sz="1600" dirty="0">
+                    <a:latin typeface="Times New Roman" panose="02020603050405020304" pitchFamily="18" charset="0"/>
+                    <a:cs typeface="Times New Roman" panose="02020603050405020304" pitchFamily="18" charset="0"/>
+                  </a:rPr>
+                  <a:t>. </a:t>
+                </a:r>
+                <a:endParaRPr lang="en-US" altLang="zh-CN" sz="1600" dirty="0">
+                  <a:solidFill>
+                    <a:schemeClr val="tx1"/>
+                  </a:solidFill>
+                  <a:latin typeface="Times New Roman" panose="02020603050405020304" pitchFamily="18" charset="0"/>
+                  <a:cs typeface="Times New Roman" panose="02020603050405020304" pitchFamily="18" charset="0"/>
+                </a:endParaRPr>
+              </a:p>
+              <a:p>
+                <a:pPr marL="285750" indent="-285750" algn="just">
+                  <a:buFont typeface="Arial" panose="020B0604020202020204" pitchFamily="34" charset="0"/>
+                  <a:buChar char="•"/>
+                </a:pPr>
+                <a:r>
+                  <a:rPr lang="en-US" altLang="zh-CN" sz="1600" dirty="0">
+                    <a:solidFill>
+                      <a:schemeClr val="tx1"/>
+                    </a:solidFill>
+                    <a:latin typeface="Times New Roman" panose="02020603050405020304" pitchFamily="18" charset="0"/>
+                    <a:cs typeface="Times New Roman" panose="02020603050405020304" pitchFamily="18" charset="0"/>
+                  </a:rPr>
+                  <a:t>However, the presence of the "break" command in line 8 signifies a premature exit from the "for" loop initiated in line 6. This means that as soon as </a:t>
+                </a:r>
+                <a14:m>
+                  <m:oMath xmlns:m="http://schemas.openxmlformats.org/officeDocument/2006/math">
+                    <m:sSub>
+                      <m:sSubPr>
+                        <m:ctrlPr>
+                          <a:rPr lang="en-US" altLang="zh-CN" sz="1600" i="1" smtClean="0">
+                            <a:latin typeface="Cambria Math" panose="02040503050406030204" pitchFamily="18" charset="0"/>
+                            <a:cs typeface="Times New Roman" panose="02020603050405020304" pitchFamily="18" charset="0"/>
+                          </a:rPr>
+                        </m:ctrlPr>
+                      </m:sSubPr>
+                      <m:e>
+                        <m:r>
+                          <a:rPr lang="en-US" altLang="zh-CN" sz="1600" i="1">
+                            <a:latin typeface="Cambria Math" panose="02040503050406030204" pitchFamily="18" charset="0"/>
+                            <a:cs typeface="Times New Roman" panose="02020603050405020304" pitchFamily="18" charset="0"/>
+                          </a:rPr>
+                          <m:t>𝑦</m:t>
+                        </m:r>
+                      </m:e>
+                      <m:sub>
+                        <m:r>
+                          <a:rPr lang="en-US" altLang="zh-CN" sz="1600" i="1">
+                            <a:latin typeface="Cambria Math" panose="02040503050406030204" pitchFamily="18" charset="0"/>
+                            <a:cs typeface="Times New Roman" panose="02020603050405020304" pitchFamily="18" charset="0"/>
+                          </a:rPr>
+                          <m:t>𝑖</m:t>
+                        </m:r>
+                      </m:sub>
+                    </m:sSub>
+                  </m:oMath>
+                </a14:m>
+                <a:r>
+                  <a:rPr lang="en-US" altLang="zh-CN" sz="1600" dirty="0">
+                    <a:solidFill>
+                      <a:schemeClr val="tx1"/>
+                    </a:solidFill>
+                    <a:latin typeface="Times New Roman" panose="02020603050405020304" pitchFamily="18" charset="0"/>
+                    <a:cs typeface="Times New Roman" panose="02020603050405020304" pitchFamily="18" charset="0"/>
+                  </a:rPr>
+                  <a:t> surpasses </a:t>
+                </a:r>
+                <a14:m>
+                  <m:oMath xmlns:m="http://schemas.openxmlformats.org/officeDocument/2006/math">
+                    <m:sSub>
+                      <m:sSubPr>
+                        <m:ctrlPr>
+                          <a:rPr lang="en-US" altLang="zh-CN" sz="1600" i="1">
+                            <a:latin typeface="Cambria Math" panose="02040503050406030204" pitchFamily="18" charset="0"/>
+                            <a:cs typeface="Times New Roman" panose="02020603050405020304" pitchFamily="18" charset="0"/>
+                          </a:rPr>
+                        </m:ctrlPr>
+                      </m:sSubPr>
+                      <m:e>
+                        <m:r>
+                          <a:rPr lang="en-US" altLang="zh-CN" sz="1600" i="1">
+                            <a:latin typeface="Cambria Math" panose="02040503050406030204" pitchFamily="18" charset="0"/>
+                            <a:cs typeface="Times New Roman" panose="02020603050405020304" pitchFamily="18" charset="0"/>
+                          </a:rPr>
+                          <m:t>𝑞</m:t>
+                        </m:r>
+                      </m:e>
+                      <m:sub>
+                        <m:r>
+                          <a:rPr lang="en-US" altLang="zh-CN" sz="1600" i="1">
+                            <a:latin typeface="Cambria Math" panose="02040503050406030204" pitchFamily="18" charset="0"/>
+                            <a:cs typeface="Times New Roman" panose="02020603050405020304" pitchFamily="18" charset="0"/>
+                          </a:rPr>
+                          <m:t>1</m:t>
+                        </m:r>
+                      </m:sub>
+                    </m:sSub>
+                  </m:oMath>
+                </a14:m>
+                <a:r>
+                  <a:rPr lang="en-US" altLang="zh-CN" sz="1600" dirty="0">
+                    <a:solidFill>
+                      <a:schemeClr val="tx1"/>
+                    </a:solidFill>
+                    <a:latin typeface="Times New Roman" panose="02020603050405020304" pitchFamily="18" charset="0"/>
+                    <a:cs typeface="Times New Roman" panose="02020603050405020304" pitchFamily="18" charset="0"/>
+                  </a:rPr>
+                  <a:t>, it is assigned to </a:t>
+                </a:r>
+                <a14:m>
+                  <m:oMath xmlns:m="http://schemas.openxmlformats.org/officeDocument/2006/math">
+                    <m:sSub>
+                      <m:sSubPr>
+                        <m:ctrlPr>
+                          <a:rPr lang="en-US" altLang="zh-CN" sz="1600" i="1">
+                            <a:latin typeface="Cambria Math" panose="02040503050406030204" pitchFamily="18" charset="0"/>
+                            <a:cs typeface="Times New Roman" panose="02020603050405020304" pitchFamily="18" charset="0"/>
+                          </a:rPr>
+                        </m:ctrlPr>
+                      </m:sSubPr>
+                      <m:e>
+                        <m:r>
+                          <a:rPr lang="en-US" altLang="zh-CN" sz="1600" i="1">
+                            <a:latin typeface="Cambria Math" panose="02040503050406030204" pitchFamily="18" charset="0"/>
+                            <a:cs typeface="Times New Roman" panose="02020603050405020304" pitchFamily="18" charset="0"/>
+                          </a:rPr>
+                          <m:t>𝐶</m:t>
+                        </m:r>
+                      </m:e>
+                      <m:sub>
+                        <m:r>
+                          <a:rPr lang="en-US" altLang="zh-CN" sz="1600" i="1">
+                            <a:latin typeface="Cambria Math" panose="02040503050406030204" pitchFamily="18" charset="0"/>
+                            <a:cs typeface="Times New Roman" panose="02020603050405020304" pitchFamily="18" charset="0"/>
+                          </a:rPr>
+                          <m:t>1</m:t>
+                        </m:r>
+                      </m:sub>
+                    </m:sSub>
+                  </m:oMath>
+                </a14:m>
+                <a:r>
+                  <a:rPr lang="en-US" altLang="zh-CN" sz="1600" dirty="0">
+                    <a:solidFill>
+                      <a:schemeClr val="tx1"/>
+                    </a:solidFill>
+                    <a:latin typeface="Times New Roman" panose="02020603050405020304" pitchFamily="18" charset="0"/>
+                    <a:cs typeface="Times New Roman" panose="02020603050405020304" pitchFamily="18" charset="0"/>
+                  </a:rPr>
+                  <a:t>, and the algorithm abruptly terminates the "for" loop from line 6 onwards. As a result, the algorithm skips the potential categorization of </a:t>
+                </a:r>
+                <a14:m>
+                  <m:oMath xmlns:m="http://schemas.openxmlformats.org/officeDocument/2006/math">
+                    <m:sSub>
+                      <m:sSubPr>
+                        <m:ctrlPr>
+                          <a:rPr lang="en-US" altLang="zh-CN" sz="1600" i="1">
+                            <a:latin typeface="Cambria Math" panose="02040503050406030204" pitchFamily="18" charset="0"/>
+                            <a:cs typeface="Times New Roman" panose="02020603050405020304" pitchFamily="18" charset="0"/>
+                          </a:rPr>
+                        </m:ctrlPr>
+                      </m:sSubPr>
+                      <m:e>
+                        <m:r>
+                          <a:rPr lang="en-US" altLang="zh-CN" sz="1600" i="1">
+                            <a:latin typeface="Cambria Math" panose="02040503050406030204" pitchFamily="18" charset="0"/>
+                            <a:cs typeface="Times New Roman" panose="02020603050405020304" pitchFamily="18" charset="0"/>
+                          </a:rPr>
+                          <m:t>𝑦</m:t>
+                        </m:r>
+                      </m:e>
+                      <m:sub>
+                        <m:r>
+                          <a:rPr lang="en-US" altLang="zh-CN" sz="1600" i="1">
+                            <a:latin typeface="Cambria Math" panose="02040503050406030204" pitchFamily="18" charset="0"/>
+                            <a:cs typeface="Times New Roman" panose="02020603050405020304" pitchFamily="18" charset="0"/>
+                          </a:rPr>
+                          <m:t>𝑖</m:t>
+                        </m:r>
+                      </m:sub>
+                    </m:sSub>
+                    <m:r>
+                      <a:rPr lang="en-US" altLang="zh-CN" sz="1600" i="1">
+                        <a:latin typeface="Cambria Math" panose="02040503050406030204" pitchFamily="18" charset="0"/>
+                        <a:cs typeface="Times New Roman" panose="02020603050405020304" pitchFamily="18" charset="0"/>
+                      </a:rPr>
+                      <m:t> </m:t>
+                    </m:r>
+                  </m:oMath>
+                </a14:m>
+                <a:r>
+                  <a:rPr lang="en-US" altLang="zh-CN" sz="1600" dirty="0">
+                    <a:solidFill>
+                      <a:schemeClr val="tx1"/>
+                    </a:solidFill>
+                    <a:latin typeface="Times New Roman" panose="02020603050405020304" pitchFamily="18" charset="0"/>
+                    <a:cs typeface="Times New Roman" panose="02020603050405020304" pitchFamily="18" charset="0"/>
+                  </a:rPr>
+                  <a:t>into </a:t>
+                </a:r>
+                <a14:m>
+                  <m:oMath xmlns:m="http://schemas.openxmlformats.org/officeDocument/2006/math">
+                    <m:sSub>
+                      <m:sSubPr>
+                        <m:ctrlPr>
+                          <a:rPr lang="en-US" altLang="zh-CN" sz="1600" i="1">
+                            <a:latin typeface="Cambria Math" panose="02040503050406030204" pitchFamily="18" charset="0"/>
+                            <a:cs typeface="Times New Roman" panose="02020603050405020304" pitchFamily="18" charset="0"/>
+                          </a:rPr>
+                        </m:ctrlPr>
+                      </m:sSubPr>
+                      <m:e>
+                        <m:r>
+                          <a:rPr lang="en-US" altLang="zh-CN" sz="1600" i="1">
+                            <a:latin typeface="Cambria Math" panose="02040503050406030204" pitchFamily="18" charset="0"/>
+                            <a:cs typeface="Times New Roman" panose="02020603050405020304" pitchFamily="18" charset="0"/>
+                          </a:rPr>
+                          <m:t>𝐶</m:t>
+                        </m:r>
+                      </m:e>
+                      <m:sub>
+                        <m:r>
+                          <a:rPr lang="en-US" altLang="zh-CN" sz="1600" i="1">
+                            <a:latin typeface="Cambria Math" panose="02040503050406030204" pitchFamily="18" charset="0"/>
+                            <a:cs typeface="Times New Roman" panose="02020603050405020304" pitchFamily="18" charset="0"/>
+                          </a:rPr>
+                          <m:t>2</m:t>
+                        </m:r>
+                      </m:sub>
+                    </m:sSub>
+                  </m:oMath>
+                </a14:m>
+                <a:r>
+                  <a:rPr lang="en-US" altLang="zh-CN" sz="1600" dirty="0">
+                    <a:solidFill>
+                      <a:schemeClr val="tx1"/>
+                    </a:solidFill>
+                    <a:latin typeface="Times New Roman" panose="02020603050405020304" pitchFamily="18" charset="0"/>
+                    <a:cs typeface="Times New Roman" panose="02020603050405020304" pitchFamily="18" charset="0"/>
+                  </a:rPr>
+                  <a:t> or </a:t>
+                </a:r>
+                <a14:m>
+                  <m:oMath xmlns:m="http://schemas.openxmlformats.org/officeDocument/2006/math">
+                    <m:sSub>
+                      <m:sSubPr>
+                        <m:ctrlPr>
+                          <a:rPr lang="en-US" altLang="zh-CN" sz="1600" i="1">
+                            <a:latin typeface="Cambria Math" panose="02040503050406030204" pitchFamily="18" charset="0"/>
+                            <a:cs typeface="Times New Roman" panose="02020603050405020304" pitchFamily="18" charset="0"/>
+                          </a:rPr>
+                        </m:ctrlPr>
+                      </m:sSubPr>
+                      <m:e>
+                        <m:r>
+                          <a:rPr lang="en-US" altLang="zh-CN" sz="1600" i="1">
+                            <a:latin typeface="Cambria Math" panose="02040503050406030204" pitchFamily="18" charset="0"/>
+                            <a:cs typeface="Times New Roman" panose="02020603050405020304" pitchFamily="18" charset="0"/>
+                          </a:rPr>
+                          <m:t>𝐶</m:t>
+                        </m:r>
+                      </m:e>
+                      <m:sub>
+                        <m:r>
+                          <a:rPr lang="en-US" altLang="zh-CN" sz="1600" i="1">
+                            <a:latin typeface="Cambria Math" panose="02040503050406030204" pitchFamily="18" charset="0"/>
+                            <a:cs typeface="Times New Roman" panose="02020603050405020304" pitchFamily="18" charset="0"/>
+                          </a:rPr>
+                          <m:t>3</m:t>
+                        </m:r>
+                      </m:sub>
+                    </m:sSub>
+                  </m:oMath>
+                </a14:m>
+                <a:r>
+                  <a:rPr lang="en-US" altLang="zh-CN" sz="1600" dirty="0">
+                    <a:solidFill>
+                      <a:schemeClr val="tx1"/>
+                    </a:solidFill>
+                    <a:latin typeface="Times New Roman" panose="02020603050405020304" pitchFamily="18" charset="0"/>
+                    <a:cs typeface="Times New Roman" panose="02020603050405020304" pitchFamily="18" charset="0"/>
+                  </a:rPr>
+                  <a:t>.</a:t>
+                </a:r>
+                <a:endParaRPr lang="zh-CN" altLang="en-US" sz="1600" dirty="0">
+                  <a:solidFill>
+                    <a:schemeClr val="tx1"/>
+                  </a:solidFill>
+                  <a:latin typeface="Times New Roman" panose="02020603050405020304" pitchFamily="18" charset="0"/>
+                  <a:cs typeface="Times New Roman" panose="02020603050405020304" pitchFamily="18" charset="0"/>
+                </a:endParaRPr>
+              </a:p>
+            </p:txBody>
+          </p:sp>
+        </mc:Choice>
+        <mc:Fallback>
+          <p:sp>
+            <p:nvSpPr>
+              <p:cNvPr id="11" name="文本框 10">
+                <a:extLst>
+                  <a:ext uri="{FF2B5EF4-FFF2-40B4-BE49-F238E27FC236}">
+                    <a16:creationId xmlns:a16="http://schemas.microsoft.com/office/drawing/2014/main" id="{C145E828-7DE7-230F-FCB1-8B6F9F60CF7B}"/>
+                  </a:ext>
+                </a:extLst>
+              </p:cNvPr>
+              <p:cNvSpPr txBox="1">
+                <a:spLocks noRot="1" noChangeAspect="1" noMove="1" noResize="1" noEditPoints="1" noAdjustHandles="1" noChangeArrowheads="1" noChangeShapeType="1" noTextEdit="1"/>
+              </p:cNvSpPr>
+              <p:nvPr/>
+            </p:nvSpPr>
+            <p:spPr>
+              <a:xfrm>
+                <a:off x="6095997" y="2661870"/>
+                <a:ext cx="5879183" cy="2308324"/>
+              </a:xfrm>
+              <a:prstGeom prst="rect">
+                <a:avLst/>
+              </a:prstGeom>
+              <a:blipFill>
+                <a:blip r:embed="rId4"/>
+                <a:stretch>
+                  <a:fillRect l="-415" t="-794" r="-519" b="-2646"/>
+                </a:stretch>
+              </a:blipFill>
+            </p:spPr>
+            <p:txBody>
+              <a:bodyPr/>
+              <a:lstStyle/>
+              <a:p>
+                <a:r>
+                  <a:rPr lang="zh-CN" altLang="en-US">
+                    <a:noFill/>
+                  </a:rPr>
+                  <a:t> </a:t>
+                </a:r>
+              </a:p>
+            </p:txBody>
+          </p:sp>
+        </mc:Fallback>
+      </mc:AlternateContent>
+      <mc:AlternateContent xmlns:mc="http://schemas.openxmlformats.org/markup-compatibility/2006">
+        <mc:Choice xmlns:a14="http://schemas.microsoft.com/office/drawing/2010/main" Requires="a14">
+          <p:sp>
+            <p:nvSpPr>
+              <p:cNvPr id="12" name="文本框 11">
+                <a:extLst>
+                  <a:ext uri="{FF2B5EF4-FFF2-40B4-BE49-F238E27FC236}">
+                    <a16:creationId xmlns:a16="http://schemas.microsoft.com/office/drawing/2014/main" id="{9E8ED185-0F30-81E0-1BCE-AE46E750A08F}"/>
+                  </a:ext>
+                </a:extLst>
+              </p:cNvPr>
+              <p:cNvSpPr txBox="1"/>
+              <p:nvPr/>
+            </p:nvSpPr>
+            <p:spPr>
+              <a:xfrm>
+                <a:off x="6095996" y="5571461"/>
+                <a:ext cx="5879183" cy="1077218"/>
+              </a:xfrm>
+              <a:prstGeom prst="rect">
+                <a:avLst/>
+              </a:prstGeom>
+              <a:noFill/>
+            </p:spPr>
+            <p:txBody>
+              <a:bodyPr wrap="square" rtlCol="0">
+                <a:spAutoFit/>
+              </a:bodyPr>
+              <a:lstStyle/>
+              <a:p>
+                <a:pPr marL="285750" indent="-285750" algn="just">
+                  <a:buFont typeface="Arial" panose="020B0604020202020204" pitchFamily="34" charset="0"/>
+                  <a:buChar char="•"/>
+                </a:pPr>
+                <a:r>
+                  <a:rPr lang="en-US" altLang="zh-CN" sz="1600" dirty="0">
+                    <a:latin typeface="Times New Roman" panose="02020603050405020304" pitchFamily="18" charset="0"/>
+                    <a:cs typeface="Times New Roman" panose="02020603050405020304" pitchFamily="18" charset="0"/>
+                  </a:rPr>
+                  <a:t>The "break" command in line 8 should be substituted with "continue," indicating the continuation of the "for" loop with an increment of </a:t>
+                </a:r>
+                <a:r>
+                  <a:rPr lang="en-US" altLang="zh-CN" sz="1600" i="1" dirty="0">
+                    <a:latin typeface="Times New Roman" panose="02020603050405020304" pitchFamily="18" charset="0"/>
+                    <a:cs typeface="Times New Roman" panose="02020603050405020304" pitchFamily="18" charset="0"/>
+                  </a:rPr>
+                  <a:t>t</a:t>
+                </a:r>
+                <a:r>
+                  <a:rPr lang="en-US" altLang="zh-CN" sz="1600" dirty="0">
+                    <a:latin typeface="Times New Roman" panose="02020603050405020304" pitchFamily="18" charset="0"/>
+                    <a:cs typeface="Times New Roman" panose="02020603050405020304" pitchFamily="18" charset="0"/>
+                  </a:rPr>
+                  <a:t> by 1. This adjustment ensures that the prospective classification of </a:t>
+                </a:r>
+                <a14:m>
+                  <m:oMath xmlns:m="http://schemas.openxmlformats.org/officeDocument/2006/math">
+                    <m:sSub>
+                      <m:sSubPr>
+                        <m:ctrlPr>
+                          <a:rPr lang="en-US" altLang="zh-CN" sz="1600" i="1" smtClean="0">
+                            <a:latin typeface="Cambria Math" panose="02040503050406030204" pitchFamily="18" charset="0"/>
+                            <a:cs typeface="Times New Roman" panose="02020603050405020304" pitchFamily="18" charset="0"/>
+                          </a:rPr>
+                        </m:ctrlPr>
+                      </m:sSubPr>
+                      <m:e>
+                        <m:r>
+                          <a:rPr lang="en-US" altLang="zh-CN" sz="1600" i="1">
+                            <a:latin typeface="Cambria Math" panose="02040503050406030204" pitchFamily="18" charset="0"/>
+                            <a:cs typeface="Times New Roman" panose="02020603050405020304" pitchFamily="18" charset="0"/>
+                          </a:rPr>
+                          <m:t>𝑦</m:t>
+                        </m:r>
+                      </m:e>
+                      <m:sub>
+                        <m:r>
+                          <a:rPr lang="en-US" altLang="zh-CN" sz="1600" i="1">
+                            <a:latin typeface="Cambria Math" panose="02040503050406030204" pitchFamily="18" charset="0"/>
+                            <a:cs typeface="Times New Roman" panose="02020603050405020304" pitchFamily="18" charset="0"/>
+                          </a:rPr>
+                          <m:t>𝑖</m:t>
+                        </m:r>
+                      </m:sub>
+                    </m:sSub>
+                    <m:r>
+                      <a:rPr lang="en-US" altLang="zh-CN" sz="1600" i="1">
+                        <a:latin typeface="Cambria Math" panose="02040503050406030204" pitchFamily="18" charset="0"/>
+                        <a:cs typeface="Times New Roman" panose="02020603050405020304" pitchFamily="18" charset="0"/>
+                      </a:rPr>
+                      <m:t> </m:t>
+                    </m:r>
+                  </m:oMath>
+                </a14:m>
+                <a:r>
+                  <a:rPr lang="en-US" altLang="zh-CN" sz="1600" dirty="0">
+                    <a:latin typeface="Times New Roman" panose="02020603050405020304" pitchFamily="18" charset="0"/>
+                    <a:cs typeface="Times New Roman" panose="02020603050405020304" pitchFamily="18" charset="0"/>
+                  </a:rPr>
+                  <a:t>into </a:t>
+                </a:r>
+                <a14:m>
+                  <m:oMath xmlns:m="http://schemas.openxmlformats.org/officeDocument/2006/math">
+                    <m:sSub>
+                      <m:sSubPr>
+                        <m:ctrlPr>
+                          <a:rPr lang="en-US" altLang="zh-CN" sz="1600" i="1">
+                            <a:latin typeface="Cambria Math" panose="02040503050406030204" pitchFamily="18" charset="0"/>
+                            <a:cs typeface="Times New Roman" panose="02020603050405020304" pitchFamily="18" charset="0"/>
+                          </a:rPr>
+                        </m:ctrlPr>
+                      </m:sSubPr>
+                      <m:e>
+                        <m:r>
+                          <a:rPr lang="en-US" altLang="zh-CN" sz="1600" i="1">
+                            <a:latin typeface="Cambria Math" panose="02040503050406030204" pitchFamily="18" charset="0"/>
+                            <a:cs typeface="Times New Roman" panose="02020603050405020304" pitchFamily="18" charset="0"/>
+                          </a:rPr>
+                          <m:t>𝐶</m:t>
+                        </m:r>
+                      </m:e>
+                      <m:sub>
+                        <m:r>
+                          <a:rPr lang="en-US" altLang="zh-CN" sz="1600" i="1">
+                            <a:latin typeface="Cambria Math" panose="02040503050406030204" pitchFamily="18" charset="0"/>
+                            <a:cs typeface="Times New Roman" panose="02020603050405020304" pitchFamily="18" charset="0"/>
+                          </a:rPr>
+                          <m:t>2</m:t>
+                        </m:r>
+                      </m:sub>
+                    </m:sSub>
+                  </m:oMath>
+                </a14:m>
+                <a:r>
+                  <a:rPr lang="en-US" altLang="zh-CN" sz="1600" dirty="0">
+                    <a:latin typeface="Times New Roman" panose="02020603050405020304" pitchFamily="18" charset="0"/>
+                    <a:cs typeface="Times New Roman" panose="02020603050405020304" pitchFamily="18" charset="0"/>
+                  </a:rPr>
+                  <a:t> or </a:t>
+                </a:r>
+                <a14:m>
+                  <m:oMath xmlns:m="http://schemas.openxmlformats.org/officeDocument/2006/math">
+                    <m:sSub>
+                      <m:sSubPr>
+                        <m:ctrlPr>
+                          <a:rPr lang="en-US" altLang="zh-CN" sz="1600" i="1">
+                            <a:latin typeface="Cambria Math" panose="02040503050406030204" pitchFamily="18" charset="0"/>
+                            <a:cs typeface="Times New Roman" panose="02020603050405020304" pitchFamily="18" charset="0"/>
+                          </a:rPr>
+                        </m:ctrlPr>
+                      </m:sSubPr>
+                      <m:e>
+                        <m:r>
+                          <a:rPr lang="en-US" altLang="zh-CN" sz="1600" i="1">
+                            <a:latin typeface="Cambria Math" panose="02040503050406030204" pitchFamily="18" charset="0"/>
+                            <a:cs typeface="Times New Roman" panose="02020603050405020304" pitchFamily="18" charset="0"/>
+                          </a:rPr>
+                          <m:t>𝐶</m:t>
+                        </m:r>
+                      </m:e>
+                      <m:sub>
+                        <m:r>
+                          <a:rPr lang="en-US" altLang="zh-CN" sz="1600" i="1">
+                            <a:latin typeface="Cambria Math" panose="02040503050406030204" pitchFamily="18" charset="0"/>
+                            <a:cs typeface="Times New Roman" panose="02020603050405020304" pitchFamily="18" charset="0"/>
+                          </a:rPr>
+                          <m:t>3</m:t>
+                        </m:r>
+                      </m:sub>
+                    </m:sSub>
+                  </m:oMath>
+                </a14:m>
+                <a:r>
+                  <a:rPr lang="en-US" altLang="zh-CN" sz="1600" dirty="0">
+                    <a:latin typeface="Times New Roman" panose="02020603050405020304" pitchFamily="18" charset="0"/>
+                    <a:cs typeface="Times New Roman" panose="02020603050405020304" pitchFamily="18" charset="0"/>
+                  </a:rPr>
+                  <a:t> is not skipped.</a:t>
+                </a:r>
+                <a:endParaRPr lang="zh-CN" altLang="en-US" sz="1600" dirty="0">
+                  <a:solidFill>
+                    <a:schemeClr val="tx1"/>
+                  </a:solidFill>
+                  <a:latin typeface="Times New Roman" panose="02020603050405020304" pitchFamily="18" charset="0"/>
+                  <a:cs typeface="Times New Roman" panose="02020603050405020304" pitchFamily="18" charset="0"/>
+                </a:endParaRPr>
+              </a:p>
+            </p:txBody>
+          </p:sp>
+        </mc:Choice>
+        <mc:Fallback>
+          <p:sp>
+            <p:nvSpPr>
+              <p:cNvPr id="12" name="文本框 11">
+                <a:extLst>
+                  <a:ext uri="{FF2B5EF4-FFF2-40B4-BE49-F238E27FC236}">
+                    <a16:creationId xmlns:a16="http://schemas.microsoft.com/office/drawing/2014/main" id="{9E8ED185-0F30-81E0-1BCE-AE46E750A08F}"/>
+                  </a:ext>
+                </a:extLst>
+              </p:cNvPr>
+              <p:cNvSpPr txBox="1">
+                <a:spLocks noRot="1" noChangeAspect="1" noMove="1" noResize="1" noEditPoints="1" noAdjustHandles="1" noChangeArrowheads="1" noChangeShapeType="1" noTextEdit="1"/>
+              </p:cNvSpPr>
+              <p:nvPr/>
+            </p:nvSpPr>
+            <p:spPr>
+              <a:xfrm>
+                <a:off x="6095996" y="5571461"/>
+                <a:ext cx="5879183" cy="1077218"/>
+              </a:xfrm>
+              <a:prstGeom prst="rect">
+                <a:avLst/>
+              </a:prstGeom>
+              <a:blipFill>
+                <a:blip r:embed="rId5"/>
+                <a:stretch>
+                  <a:fillRect l="-415" t="-1695" r="-519" b="-6215"/>
+                </a:stretch>
+              </a:blipFill>
+            </p:spPr>
+            <p:txBody>
+              <a:bodyPr/>
+              <a:lstStyle/>
+              <a:p>
+                <a:r>
+                  <a:rPr lang="zh-CN" altLang="en-US">
+                    <a:noFill/>
+                  </a:rPr>
+                  <a:t> </a:t>
+                </a:r>
+              </a:p>
+            </p:txBody>
+          </p:sp>
+        </mc:Fallback>
+      </mc:AlternateContent>
+      <p:sp>
+        <p:nvSpPr>
+          <p:cNvPr id="13" name="文本框 12">
+            <a:extLst>
+              <a:ext uri="{FF2B5EF4-FFF2-40B4-BE49-F238E27FC236}">
+                <a16:creationId xmlns:a16="http://schemas.microsoft.com/office/drawing/2014/main" id="{EB17ABCA-63F6-3935-E82D-57228CD0E67B}"/>
+              </a:ext>
+            </a:extLst>
+          </p:cNvPr>
+          <p:cNvSpPr txBox="1"/>
+          <p:nvPr/>
+        </p:nvSpPr>
+        <p:spPr>
+          <a:xfrm>
+            <a:off x="6095998" y="894638"/>
+            <a:ext cx="1198337" cy="523220"/>
+          </a:xfrm>
+          <a:prstGeom prst="rect">
+            <a:avLst/>
+          </a:prstGeom>
+          <a:noFill/>
+        </p:spPr>
+        <p:txBody>
+          <a:bodyPr wrap="square" rtlCol="0">
+            <a:spAutoFit/>
+          </a:bodyPr>
+          <a:lstStyle/>
+          <a:p>
+            <a:r>
+              <a:rPr lang="en-US" altLang="zh-CN" sz="2800" b="1" dirty="0">
+                <a:latin typeface="Times New Roman" panose="02020603050405020304" pitchFamily="18" charset="0"/>
+                <a:cs typeface="Times New Roman" panose="02020603050405020304" pitchFamily="18" charset="0"/>
+              </a:rPr>
+              <a:t>Task</a:t>
+            </a:r>
+            <a:endParaRPr lang="zh-CN" altLang="en-US" sz="2800" b="1" dirty="0">
+              <a:latin typeface="Times New Roman" panose="02020603050405020304" pitchFamily="18" charset="0"/>
+              <a:cs typeface="Times New Roman" panose="02020603050405020304" pitchFamily="18" charset="0"/>
+            </a:endParaRPr>
+          </a:p>
+        </p:txBody>
+      </p:sp>
+      <p:sp>
+        <p:nvSpPr>
+          <p:cNvPr id="14" name="文本框 13">
+            <a:extLst>
+              <a:ext uri="{FF2B5EF4-FFF2-40B4-BE49-F238E27FC236}">
+                <a16:creationId xmlns:a16="http://schemas.microsoft.com/office/drawing/2014/main" id="{78301F9F-10E1-1EDE-BDAB-8C994DA079E2}"/>
+              </a:ext>
+            </a:extLst>
+          </p:cNvPr>
+          <p:cNvSpPr txBox="1"/>
+          <p:nvPr/>
+        </p:nvSpPr>
+        <p:spPr>
+          <a:xfrm>
+            <a:off x="6141562" y="2138650"/>
+            <a:ext cx="1198337" cy="523220"/>
+          </a:xfrm>
+          <a:prstGeom prst="rect">
+            <a:avLst/>
+          </a:prstGeom>
+          <a:noFill/>
+        </p:spPr>
+        <p:txBody>
+          <a:bodyPr wrap="square" rtlCol="0">
+            <a:spAutoFit/>
+          </a:bodyPr>
+          <a:lstStyle/>
+          <a:p>
+            <a:r>
+              <a:rPr lang="en-US" altLang="zh-CN" sz="2800" b="1" dirty="0">
+                <a:latin typeface="Times New Roman" panose="02020603050405020304" pitchFamily="18" charset="0"/>
+                <a:cs typeface="Times New Roman" panose="02020603050405020304" pitchFamily="18" charset="0"/>
+              </a:rPr>
+              <a:t>Issue</a:t>
+            </a:r>
+            <a:endParaRPr lang="zh-CN" altLang="en-US" sz="2800" b="1" dirty="0">
+              <a:latin typeface="Times New Roman" panose="02020603050405020304" pitchFamily="18" charset="0"/>
+              <a:cs typeface="Times New Roman" panose="02020603050405020304" pitchFamily="18" charset="0"/>
+            </a:endParaRPr>
+          </a:p>
+        </p:txBody>
+      </p:sp>
+      <p:sp>
+        <p:nvSpPr>
+          <p:cNvPr id="15" name="文本框 14">
+            <a:extLst>
+              <a:ext uri="{FF2B5EF4-FFF2-40B4-BE49-F238E27FC236}">
+                <a16:creationId xmlns:a16="http://schemas.microsoft.com/office/drawing/2014/main" id="{D672620E-0AA5-55E0-8E09-61A021EC7DC0}"/>
+              </a:ext>
+            </a:extLst>
+          </p:cNvPr>
+          <p:cNvSpPr txBox="1"/>
+          <p:nvPr/>
+        </p:nvSpPr>
+        <p:spPr>
+          <a:xfrm>
+            <a:off x="6135664" y="5020951"/>
+            <a:ext cx="1685095" cy="523220"/>
+          </a:xfrm>
+          <a:prstGeom prst="rect">
+            <a:avLst/>
+          </a:prstGeom>
+          <a:noFill/>
+        </p:spPr>
+        <p:txBody>
+          <a:bodyPr wrap="square" rtlCol="0">
+            <a:spAutoFit/>
+          </a:bodyPr>
+          <a:lstStyle/>
+          <a:p>
+            <a:r>
+              <a:rPr lang="en-US" altLang="zh-CN" sz="2800" b="1" dirty="0">
+                <a:latin typeface="Times New Roman" panose="02020603050405020304" pitchFamily="18" charset="0"/>
+                <a:cs typeface="Times New Roman" panose="02020603050405020304" pitchFamily="18" charset="0"/>
+              </a:rPr>
+              <a:t>Remedy</a:t>
+            </a:r>
+            <a:endParaRPr lang="zh-CN" altLang="en-US" sz="2800" b="1" dirty="0">
+              <a:latin typeface="Times New Roman" panose="02020603050405020304" pitchFamily="18" charset="0"/>
+              <a:cs typeface="Times New Roman" panose="02020603050405020304" pitchFamily="18" charset="0"/>
+            </a:endParaRPr>
+          </a:p>
+        </p:txBody>
+      </p:sp>
     </p:spTree>
     <p:extLst>
       <p:ext uri="{BB962C8B-B14F-4D97-AF65-F5344CB8AC3E}">
         <p14:creationId xmlns:p14="http://schemas.microsoft.com/office/powerpoint/2010/main" val="2836275624"/>
+      </p:ext>
+    </p:extLst>
+  </p:cSld>
+  <p:clrMapOvr>
+    <a:masterClrMapping/>
+  </p:clrMapOvr>
+</p:sld>
+</file>
+
+<file path=ppt/slides/slide2.xml><?xml version="1.0" encoding="utf-8"?>
+<p:sld xmlns:a="http://schemas.openxmlformats.org/drawingml/2006/main" xmlns:r="http://schemas.openxmlformats.org/officeDocument/2006/relationships" xmlns:p="http://schemas.openxmlformats.org/presentationml/2006/main">
+  <p:cSld>
+    <p:spTree>
+      <p:nvGrpSpPr>
+        <p:cNvPr id="1" name=""/>
+        <p:cNvGrpSpPr/>
+        <p:nvPr/>
+      </p:nvGrpSpPr>
+      <p:grpSpPr>
+        <a:xfrm>
+          <a:off x="0" y="0"/>
+          <a:ext cx="0" cy="0"/>
+          <a:chOff x="0" y="0"/>
+          <a:chExt cx="0" cy="0"/>
+        </a:xfrm>
+      </p:grpSpPr>
+      <p:sp>
+        <p:nvSpPr>
+          <p:cNvPr id="3" name="文本框 2">
+            <a:extLst>
+              <a:ext uri="{FF2B5EF4-FFF2-40B4-BE49-F238E27FC236}">
+                <a16:creationId xmlns:a16="http://schemas.microsoft.com/office/drawing/2014/main" id="{AEE3CBBB-3644-DC7B-2D24-86D82F6CA700}"/>
+              </a:ext>
+            </a:extLst>
+          </p:cNvPr>
+          <p:cNvSpPr txBox="1"/>
+          <p:nvPr/>
+        </p:nvSpPr>
+        <p:spPr>
+          <a:xfrm>
+            <a:off x="173263" y="189839"/>
+            <a:ext cx="8475281" cy="523220"/>
+          </a:xfrm>
+          <a:prstGeom prst="rect">
+            <a:avLst/>
+          </a:prstGeom>
+          <a:noFill/>
+        </p:spPr>
+        <p:txBody>
+          <a:bodyPr wrap="square" rtlCol="0">
+            <a:spAutoFit/>
+          </a:bodyPr>
+          <a:lstStyle/>
+          <a:p>
+            <a:r>
+              <a:rPr lang="en-US" altLang="zh-CN" sz="2800" b="1" dirty="0">
+                <a:latin typeface="Times New Roman" panose="02020603050405020304" pitchFamily="18" charset="0"/>
+                <a:cs typeface="Times New Roman" panose="02020603050405020304" pitchFamily="18" charset="0"/>
+              </a:rPr>
+              <a:t>Some Minor Typos in APOLLO</a:t>
+            </a:r>
+            <a:endParaRPr lang="zh-CN" altLang="en-US" sz="2800" b="1" dirty="0">
+              <a:latin typeface="Times New Roman" panose="02020603050405020304" pitchFamily="18" charset="0"/>
+              <a:cs typeface="Times New Roman" panose="02020603050405020304" pitchFamily="18" charset="0"/>
+            </a:endParaRPr>
+          </a:p>
+        </p:txBody>
+      </p:sp>
+      <p:sp>
+        <p:nvSpPr>
+          <p:cNvPr id="6" name="文本框 5">
+            <a:extLst>
+              <a:ext uri="{FF2B5EF4-FFF2-40B4-BE49-F238E27FC236}">
+                <a16:creationId xmlns:a16="http://schemas.microsoft.com/office/drawing/2014/main" id="{94906704-5CEB-09DB-8DD6-DF7CE2F29412}"/>
+              </a:ext>
+            </a:extLst>
+          </p:cNvPr>
+          <p:cNvSpPr txBox="1"/>
+          <p:nvPr/>
+        </p:nvSpPr>
+        <p:spPr>
+          <a:xfrm>
+            <a:off x="6654800" y="1757630"/>
+            <a:ext cx="5188300" cy="830997"/>
+          </a:xfrm>
+          <a:prstGeom prst="rect">
+            <a:avLst/>
+          </a:prstGeom>
+          <a:noFill/>
+        </p:spPr>
+        <p:txBody>
+          <a:bodyPr wrap="square" rtlCol="0">
+            <a:spAutoFit/>
+          </a:bodyPr>
+          <a:lstStyle/>
+          <a:p>
+            <a:pPr marL="285750" indent="-285750" algn="just">
+              <a:buFont typeface="Arial" panose="020B0604020202020204" pitchFamily="34" charset="0"/>
+              <a:buChar char="•"/>
+            </a:pPr>
+            <a:r>
+              <a:rPr lang="en-US" altLang="zh-CN" sz="1600" dirty="0">
+                <a:latin typeface="Times New Roman" panose="02020603050405020304" pitchFamily="18" charset="0"/>
+                <a:cs typeface="Times New Roman" panose="02020603050405020304" pitchFamily="18" charset="0"/>
+              </a:rPr>
+              <a:t>I've noticed that some of the left and right quotation marks don't seem to match properly in APOLLO. This might be due to a configuration issue with LaTeX.</a:t>
+            </a:r>
+            <a:endParaRPr lang="zh-CN" altLang="en-US" sz="1600" dirty="0">
+              <a:solidFill>
+                <a:schemeClr val="tx1"/>
+              </a:solidFill>
+              <a:latin typeface="Times New Roman" panose="02020603050405020304" pitchFamily="18" charset="0"/>
+              <a:cs typeface="Times New Roman" panose="02020603050405020304" pitchFamily="18" charset="0"/>
+            </a:endParaRPr>
+          </a:p>
+        </p:txBody>
+      </p:sp>
+      <p:sp>
+        <p:nvSpPr>
+          <p:cNvPr id="8" name="文本框 7">
+            <a:extLst>
+              <a:ext uri="{FF2B5EF4-FFF2-40B4-BE49-F238E27FC236}">
+                <a16:creationId xmlns:a16="http://schemas.microsoft.com/office/drawing/2014/main" id="{691DC2FD-33B9-E1CB-B45B-4E67CDE69EFD}"/>
+              </a:ext>
+            </a:extLst>
+          </p:cNvPr>
+          <p:cNvSpPr txBox="1"/>
+          <p:nvPr/>
+        </p:nvSpPr>
+        <p:spPr>
+          <a:xfrm>
+            <a:off x="6654800" y="1277550"/>
+            <a:ext cx="1198337" cy="523220"/>
+          </a:xfrm>
+          <a:prstGeom prst="rect">
+            <a:avLst/>
+          </a:prstGeom>
+          <a:noFill/>
+        </p:spPr>
+        <p:txBody>
+          <a:bodyPr wrap="square" rtlCol="0">
+            <a:spAutoFit/>
+          </a:bodyPr>
+          <a:lstStyle/>
+          <a:p>
+            <a:r>
+              <a:rPr lang="en-US" altLang="zh-CN" sz="2800" b="1" dirty="0">
+                <a:latin typeface="Times New Roman" panose="02020603050405020304" pitchFamily="18" charset="0"/>
+                <a:cs typeface="Times New Roman" panose="02020603050405020304" pitchFamily="18" charset="0"/>
+              </a:rPr>
+              <a:t>Issue</a:t>
+            </a:r>
+            <a:endParaRPr lang="zh-CN" altLang="en-US" sz="2800" b="1" dirty="0">
+              <a:latin typeface="Times New Roman" panose="02020603050405020304" pitchFamily="18" charset="0"/>
+              <a:cs typeface="Times New Roman" panose="02020603050405020304" pitchFamily="18" charset="0"/>
+            </a:endParaRPr>
+          </a:p>
+        </p:txBody>
+      </p:sp>
+      <p:pic>
+        <p:nvPicPr>
+          <p:cNvPr id="32" name="图片 31">
+            <a:extLst>
+              <a:ext uri="{FF2B5EF4-FFF2-40B4-BE49-F238E27FC236}">
+                <a16:creationId xmlns:a16="http://schemas.microsoft.com/office/drawing/2014/main" id="{AF2FD8BE-D0A8-7D24-4573-0989EB6A99D6}"/>
+              </a:ext>
+            </a:extLst>
+          </p:cNvPr>
+          <p:cNvPicPr>
+            <a:picLocks noChangeAspect="1"/>
+          </p:cNvPicPr>
+          <p:nvPr/>
+        </p:nvPicPr>
+        <p:blipFill rotWithShape="1">
+          <a:blip r:embed="rId2"/>
+          <a:srcRect l="13500" t="26667" r="43500" b="66815"/>
+          <a:stretch/>
+        </p:blipFill>
+        <p:spPr>
+          <a:xfrm>
+            <a:off x="173260" y="1323715"/>
+            <a:ext cx="6135944" cy="523220"/>
+          </a:xfrm>
+          <a:prstGeom prst="rect">
+            <a:avLst/>
+          </a:prstGeom>
+        </p:spPr>
+      </p:pic>
+      <p:pic>
+        <p:nvPicPr>
+          <p:cNvPr id="33" name="图片 32">
+            <a:extLst>
+              <a:ext uri="{FF2B5EF4-FFF2-40B4-BE49-F238E27FC236}">
+                <a16:creationId xmlns:a16="http://schemas.microsoft.com/office/drawing/2014/main" id="{FC562342-BDA6-1CD0-2614-6DFE0DD62EBB}"/>
+              </a:ext>
+            </a:extLst>
+          </p:cNvPr>
+          <p:cNvPicPr>
+            <a:picLocks noChangeAspect="1"/>
+          </p:cNvPicPr>
+          <p:nvPr/>
+        </p:nvPicPr>
+        <p:blipFill rotWithShape="1">
+          <a:blip r:embed="rId2"/>
+          <a:srcRect l="13500" t="40085" r="43500" b="56593"/>
+          <a:stretch/>
+        </p:blipFill>
+        <p:spPr>
+          <a:xfrm>
+            <a:off x="141840" y="2484932"/>
+            <a:ext cx="6135944" cy="266700"/>
+          </a:xfrm>
+          <a:prstGeom prst="rect">
+            <a:avLst/>
+          </a:prstGeom>
+        </p:spPr>
+      </p:pic>
+      <p:pic>
+        <p:nvPicPr>
+          <p:cNvPr id="35" name="图片 34">
+            <a:extLst>
+              <a:ext uri="{FF2B5EF4-FFF2-40B4-BE49-F238E27FC236}">
+                <a16:creationId xmlns:a16="http://schemas.microsoft.com/office/drawing/2014/main" id="{07886283-82B8-D0EB-A21B-326ECEC31E66}"/>
+              </a:ext>
+            </a:extLst>
+          </p:cNvPr>
+          <p:cNvPicPr>
+            <a:picLocks noChangeAspect="1"/>
+          </p:cNvPicPr>
+          <p:nvPr/>
+        </p:nvPicPr>
+        <p:blipFill rotWithShape="1">
+          <a:blip r:embed="rId3"/>
+          <a:srcRect l="33083" t="23963" r="30928" b="73242"/>
+          <a:stretch/>
+        </p:blipFill>
+        <p:spPr>
+          <a:xfrm>
+            <a:off x="141839" y="3520099"/>
+            <a:ext cx="6135944" cy="268027"/>
+          </a:xfrm>
+          <a:prstGeom prst="rect">
+            <a:avLst/>
+          </a:prstGeom>
+        </p:spPr>
+      </p:pic>
+      <p:pic>
+        <p:nvPicPr>
+          <p:cNvPr id="36" name="图片 35">
+            <a:extLst>
+              <a:ext uri="{FF2B5EF4-FFF2-40B4-BE49-F238E27FC236}">
+                <a16:creationId xmlns:a16="http://schemas.microsoft.com/office/drawing/2014/main" id="{F6332DA4-4402-F667-E087-5AA46E75BB94}"/>
+              </a:ext>
+            </a:extLst>
+          </p:cNvPr>
+          <p:cNvPicPr>
+            <a:picLocks noChangeAspect="1"/>
+          </p:cNvPicPr>
+          <p:nvPr/>
+        </p:nvPicPr>
+        <p:blipFill rotWithShape="1">
+          <a:blip r:embed="rId3"/>
+          <a:srcRect l="31556" t="35714" r="30509" b="58303"/>
+          <a:stretch/>
+        </p:blipFill>
+        <p:spPr>
+          <a:xfrm>
+            <a:off x="141840" y="4493452"/>
+            <a:ext cx="6467878" cy="573673"/>
+          </a:xfrm>
+          <a:prstGeom prst="rect">
+            <a:avLst/>
+          </a:prstGeom>
+        </p:spPr>
+      </p:pic>
+      <p:pic>
+        <p:nvPicPr>
+          <p:cNvPr id="38" name="图片 37">
+            <a:extLst>
+              <a:ext uri="{FF2B5EF4-FFF2-40B4-BE49-F238E27FC236}">
+                <a16:creationId xmlns:a16="http://schemas.microsoft.com/office/drawing/2014/main" id="{C9324FC3-0A62-BBC3-3321-4FB3D3217B36}"/>
+              </a:ext>
+            </a:extLst>
+          </p:cNvPr>
+          <p:cNvPicPr>
+            <a:picLocks noChangeAspect="1"/>
+          </p:cNvPicPr>
+          <p:nvPr/>
+        </p:nvPicPr>
+        <p:blipFill rotWithShape="1">
+          <a:blip r:embed="rId4"/>
+          <a:srcRect l="13888" t="70790" r="43556" b="22887"/>
+          <a:stretch/>
+        </p:blipFill>
+        <p:spPr>
+          <a:xfrm>
+            <a:off x="245687" y="5849999"/>
+            <a:ext cx="6260184" cy="523220"/>
+          </a:xfrm>
+          <a:prstGeom prst="rect">
+            <a:avLst/>
+          </a:prstGeom>
+        </p:spPr>
+      </p:pic>
+      <p:sp>
+        <p:nvSpPr>
+          <p:cNvPr id="39" name="矩形 38">
+            <a:extLst>
+              <a:ext uri="{FF2B5EF4-FFF2-40B4-BE49-F238E27FC236}">
+                <a16:creationId xmlns:a16="http://schemas.microsoft.com/office/drawing/2014/main" id="{754871EB-46C2-081B-E0F2-FDD7A41ECFB1}"/>
+              </a:ext>
+            </a:extLst>
+          </p:cNvPr>
+          <p:cNvSpPr/>
+          <p:nvPr/>
+        </p:nvSpPr>
+        <p:spPr>
+          <a:xfrm>
+            <a:off x="202643" y="1311328"/>
+            <a:ext cx="201217" cy="122297"/>
+          </a:xfrm>
+          <a:prstGeom prst="rect">
+            <a:avLst/>
+          </a:prstGeom>
+          <a:noFill/>
+          <a:ln w="28575">
+            <a:solidFill>
+              <a:srgbClr val="C00000"/>
+            </a:solidFill>
+          </a:ln>
+        </p:spPr>
+        <p:style>
+          <a:lnRef idx="2">
+            <a:schemeClr val="accent1">
+              <a:shade val="15000"/>
+            </a:schemeClr>
+          </a:lnRef>
+          <a:fillRef idx="1">
+            <a:schemeClr val="accent1"/>
+          </a:fillRef>
+          <a:effectRef idx="0">
+            <a:schemeClr val="accent1"/>
+          </a:effectRef>
+          <a:fontRef idx="minor">
+            <a:schemeClr val="lt1"/>
+          </a:fontRef>
+        </p:style>
+        <p:txBody>
+          <a:bodyPr rtlCol="0" anchor="ctr"/>
+          <a:lstStyle/>
+          <a:p>
+            <a:pPr algn="ctr"/>
+            <a:endParaRPr lang="zh-CN" altLang="en-US"/>
+          </a:p>
+        </p:txBody>
+      </p:sp>
+      <p:sp>
+        <p:nvSpPr>
+          <p:cNvPr id="40" name="文本框 39">
+            <a:extLst>
+              <a:ext uri="{FF2B5EF4-FFF2-40B4-BE49-F238E27FC236}">
+                <a16:creationId xmlns:a16="http://schemas.microsoft.com/office/drawing/2014/main" id="{CDC7545E-FBFA-549D-A667-7A1B4388A6A6}"/>
+              </a:ext>
+            </a:extLst>
+          </p:cNvPr>
+          <p:cNvSpPr txBox="1"/>
+          <p:nvPr/>
+        </p:nvSpPr>
+        <p:spPr>
+          <a:xfrm>
+            <a:off x="173263" y="915741"/>
+            <a:ext cx="2510335" cy="400110"/>
+          </a:xfrm>
+          <a:prstGeom prst="rect">
+            <a:avLst/>
+          </a:prstGeom>
+          <a:noFill/>
+        </p:spPr>
+        <p:txBody>
+          <a:bodyPr wrap="square" rtlCol="0">
+            <a:spAutoFit/>
+          </a:bodyPr>
+          <a:lstStyle/>
+          <a:p>
+            <a:r>
+              <a:rPr lang="en-US" altLang="zh-CN" sz="2000" b="1" dirty="0">
+                <a:latin typeface="Times New Roman" panose="02020603050405020304" pitchFamily="18" charset="0"/>
+                <a:cs typeface="Times New Roman" panose="02020603050405020304" pitchFamily="18" charset="0"/>
+              </a:rPr>
+              <a:t>In line 9-10, section 6</a:t>
+            </a:r>
+            <a:endParaRPr lang="zh-CN" altLang="en-US" sz="2000" b="1" dirty="0">
+              <a:latin typeface="Times New Roman" panose="02020603050405020304" pitchFamily="18" charset="0"/>
+              <a:cs typeface="Times New Roman" panose="02020603050405020304" pitchFamily="18" charset="0"/>
+            </a:endParaRPr>
+          </a:p>
+        </p:txBody>
+      </p:sp>
+      <p:sp>
+        <p:nvSpPr>
+          <p:cNvPr id="41" name="文本框 40">
+            <a:extLst>
+              <a:ext uri="{FF2B5EF4-FFF2-40B4-BE49-F238E27FC236}">
+                <a16:creationId xmlns:a16="http://schemas.microsoft.com/office/drawing/2014/main" id="{8FB0907A-F353-7B37-56EA-3FD8E5E40977}"/>
+              </a:ext>
+            </a:extLst>
+          </p:cNvPr>
+          <p:cNvSpPr txBox="1"/>
+          <p:nvPr/>
+        </p:nvSpPr>
+        <p:spPr>
+          <a:xfrm>
+            <a:off x="173260" y="2101752"/>
+            <a:ext cx="2510335" cy="400110"/>
+          </a:xfrm>
+          <a:prstGeom prst="rect">
+            <a:avLst/>
+          </a:prstGeom>
+          <a:noFill/>
+        </p:spPr>
+        <p:txBody>
+          <a:bodyPr wrap="square" rtlCol="0">
+            <a:spAutoFit/>
+          </a:bodyPr>
+          <a:lstStyle/>
+          <a:p>
+            <a:r>
+              <a:rPr lang="en-US" altLang="zh-CN" sz="2000" b="1" dirty="0">
+                <a:latin typeface="Times New Roman" panose="02020603050405020304" pitchFamily="18" charset="0"/>
+                <a:cs typeface="Times New Roman" panose="02020603050405020304" pitchFamily="18" charset="0"/>
+              </a:rPr>
+              <a:t>In line 13, section 6</a:t>
+            </a:r>
+            <a:endParaRPr lang="zh-CN" altLang="en-US" sz="2000" b="1" dirty="0">
+              <a:latin typeface="Times New Roman" panose="02020603050405020304" pitchFamily="18" charset="0"/>
+              <a:cs typeface="Times New Roman" panose="02020603050405020304" pitchFamily="18" charset="0"/>
+            </a:endParaRPr>
+          </a:p>
+        </p:txBody>
+      </p:sp>
+      <p:sp>
+        <p:nvSpPr>
+          <p:cNvPr id="42" name="文本框 41">
+            <a:extLst>
+              <a:ext uri="{FF2B5EF4-FFF2-40B4-BE49-F238E27FC236}">
+                <a16:creationId xmlns:a16="http://schemas.microsoft.com/office/drawing/2014/main" id="{E46D3D54-5337-33C4-761D-854CB95B8473}"/>
+              </a:ext>
+            </a:extLst>
+          </p:cNvPr>
+          <p:cNvSpPr txBox="1"/>
+          <p:nvPr/>
+        </p:nvSpPr>
+        <p:spPr>
+          <a:xfrm>
+            <a:off x="173260" y="3107282"/>
+            <a:ext cx="2510335" cy="400110"/>
+          </a:xfrm>
+          <a:prstGeom prst="rect">
+            <a:avLst/>
+          </a:prstGeom>
+          <a:noFill/>
+        </p:spPr>
+        <p:txBody>
+          <a:bodyPr wrap="square" rtlCol="0">
+            <a:spAutoFit/>
+          </a:bodyPr>
+          <a:lstStyle/>
+          <a:p>
+            <a:r>
+              <a:rPr lang="en-US" altLang="zh-CN" sz="2000" b="1" dirty="0">
+                <a:latin typeface="Times New Roman" panose="02020603050405020304" pitchFamily="18" charset="0"/>
+                <a:cs typeface="Times New Roman" panose="02020603050405020304" pitchFamily="18" charset="0"/>
+              </a:rPr>
+              <a:t>In line 25, section 6</a:t>
+            </a:r>
+            <a:endParaRPr lang="zh-CN" altLang="en-US" sz="2000" b="1" dirty="0">
+              <a:latin typeface="Times New Roman" panose="02020603050405020304" pitchFamily="18" charset="0"/>
+              <a:cs typeface="Times New Roman" panose="02020603050405020304" pitchFamily="18" charset="0"/>
+            </a:endParaRPr>
+          </a:p>
+        </p:txBody>
+      </p:sp>
+      <p:sp>
+        <p:nvSpPr>
+          <p:cNvPr id="43" name="文本框 42">
+            <a:extLst>
+              <a:ext uri="{FF2B5EF4-FFF2-40B4-BE49-F238E27FC236}">
+                <a16:creationId xmlns:a16="http://schemas.microsoft.com/office/drawing/2014/main" id="{02A77B69-BBD3-7461-3253-08E6F32F01C6}"/>
+              </a:ext>
+            </a:extLst>
+          </p:cNvPr>
+          <p:cNvSpPr txBox="1"/>
+          <p:nvPr/>
+        </p:nvSpPr>
+        <p:spPr>
+          <a:xfrm>
+            <a:off x="173261" y="4123395"/>
+            <a:ext cx="3076633" cy="400110"/>
+          </a:xfrm>
+          <a:prstGeom prst="rect">
+            <a:avLst/>
+          </a:prstGeom>
+          <a:noFill/>
+        </p:spPr>
+        <p:txBody>
+          <a:bodyPr wrap="square" rtlCol="0">
+            <a:spAutoFit/>
+          </a:bodyPr>
+          <a:lstStyle/>
+          <a:p>
+            <a:r>
+              <a:rPr lang="en-US" altLang="zh-CN" sz="2000" b="1" dirty="0">
+                <a:latin typeface="Times New Roman" panose="02020603050405020304" pitchFamily="18" charset="0"/>
+                <a:cs typeface="Times New Roman" panose="02020603050405020304" pitchFamily="18" charset="0"/>
+              </a:rPr>
+              <a:t>In line 29-30, section 6</a:t>
+            </a:r>
+            <a:endParaRPr lang="zh-CN" altLang="en-US" sz="2000" b="1" dirty="0">
+              <a:latin typeface="Times New Roman" panose="02020603050405020304" pitchFamily="18" charset="0"/>
+              <a:cs typeface="Times New Roman" panose="02020603050405020304" pitchFamily="18" charset="0"/>
+            </a:endParaRPr>
+          </a:p>
+        </p:txBody>
+      </p:sp>
+      <p:sp>
+        <p:nvSpPr>
+          <p:cNvPr id="44" name="文本框 43">
+            <a:extLst>
+              <a:ext uri="{FF2B5EF4-FFF2-40B4-BE49-F238E27FC236}">
+                <a16:creationId xmlns:a16="http://schemas.microsoft.com/office/drawing/2014/main" id="{3D3B8DF0-6C50-E81D-0613-855058F72F47}"/>
+              </a:ext>
+            </a:extLst>
+          </p:cNvPr>
+          <p:cNvSpPr txBox="1"/>
+          <p:nvPr/>
+        </p:nvSpPr>
+        <p:spPr>
+          <a:xfrm>
+            <a:off x="173261" y="5427273"/>
+            <a:ext cx="3076633" cy="400110"/>
+          </a:xfrm>
+          <a:prstGeom prst="rect">
+            <a:avLst/>
+          </a:prstGeom>
+          <a:noFill/>
+        </p:spPr>
+        <p:txBody>
+          <a:bodyPr wrap="square" rtlCol="0">
+            <a:spAutoFit/>
+          </a:bodyPr>
+          <a:lstStyle/>
+          <a:p>
+            <a:r>
+              <a:rPr lang="en-US" altLang="zh-CN" sz="2000" b="1" dirty="0">
+                <a:latin typeface="Times New Roman" panose="02020603050405020304" pitchFamily="18" charset="0"/>
+                <a:cs typeface="Times New Roman" panose="02020603050405020304" pitchFamily="18" charset="0"/>
+              </a:rPr>
+              <a:t>In line 31-32, section 7.4</a:t>
+            </a:r>
+            <a:endParaRPr lang="zh-CN" altLang="en-US" sz="2000" b="1" dirty="0">
+              <a:latin typeface="Times New Roman" panose="02020603050405020304" pitchFamily="18" charset="0"/>
+              <a:cs typeface="Times New Roman" panose="02020603050405020304" pitchFamily="18" charset="0"/>
+            </a:endParaRPr>
+          </a:p>
+        </p:txBody>
+      </p:sp>
+      <p:sp>
+        <p:nvSpPr>
+          <p:cNvPr id="45" name="矩形 44">
+            <a:extLst>
+              <a:ext uri="{FF2B5EF4-FFF2-40B4-BE49-F238E27FC236}">
+                <a16:creationId xmlns:a16="http://schemas.microsoft.com/office/drawing/2014/main" id="{C0197F09-D1F6-482C-FFE8-C64964EA71B0}"/>
+              </a:ext>
+            </a:extLst>
+          </p:cNvPr>
+          <p:cNvSpPr/>
+          <p:nvPr/>
+        </p:nvSpPr>
+        <p:spPr>
+          <a:xfrm>
+            <a:off x="1048463" y="1326568"/>
+            <a:ext cx="201217" cy="122297"/>
+          </a:xfrm>
+          <a:prstGeom prst="rect">
+            <a:avLst/>
+          </a:prstGeom>
+          <a:noFill/>
+          <a:ln w="28575">
+            <a:solidFill>
+              <a:srgbClr val="C00000"/>
+            </a:solidFill>
+          </a:ln>
+        </p:spPr>
+        <p:style>
+          <a:lnRef idx="2">
+            <a:schemeClr val="accent1">
+              <a:shade val="15000"/>
+            </a:schemeClr>
+          </a:lnRef>
+          <a:fillRef idx="1">
+            <a:schemeClr val="accent1"/>
+          </a:fillRef>
+          <a:effectRef idx="0">
+            <a:schemeClr val="accent1"/>
+          </a:effectRef>
+          <a:fontRef idx="minor">
+            <a:schemeClr val="lt1"/>
+          </a:fontRef>
+        </p:style>
+        <p:txBody>
+          <a:bodyPr rtlCol="0" anchor="ctr"/>
+          <a:lstStyle/>
+          <a:p>
+            <a:pPr algn="ctr"/>
+            <a:endParaRPr lang="zh-CN" altLang="en-US"/>
+          </a:p>
+        </p:txBody>
+      </p:sp>
+      <p:sp>
+        <p:nvSpPr>
+          <p:cNvPr id="46" name="矩形 45">
+            <a:extLst>
+              <a:ext uri="{FF2B5EF4-FFF2-40B4-BE49-F238E27FC236}">
+                <a16:creationId xmlns:a16="http://schemas.microsoft.com/office/drawing/2014/main" id="{1E8A2BB8-1E1F-3DB9-AE2A-626C9252BBBC}"/>
+              </a:ext>
+            </a:extLst>
+          </p:cNvPr>
+          <p:cNvSpPr/>
+          <p:nvPr/>
+        </p:nvSpPr>
+        <p:spPr>
+          <a:xfrm>
+            <a:off x="1315163" y="1311328"/>
+            <a:ext cx="201217" cy="122297"/>
+          </a:xfrm>
+          <a:prstGeom prst="rect">
+            <a:avLst/>
+          </a:prstGeom>
+          <a:noFill/>
+          <a:ln w="28575">
+            <a:solidFill>
+              <a:srgbClr val="C00000"/>
+            </a:solidFill>
+          </a:ln>
+        </p:spPr>
+        <p:style>
+          <a:lnRef idx="2">
+            <a:schemeClr val="accent1">
+              <a:shade val="15000"/>
+            </a:schemeClr>
+          </a:lnRef>
+          <a:fillRef idx="1">
+            <a:schemeClr val="accent1"/>
+          </a:fillRef>
+          <a:effectRef idx="0">
+            <a:schemeClr val="accent1"/>
+          </a:effectRef>
+          <a:fontRef idx="minor">
+            <a:schemeClr val="lt1"/>
+          </a:fontRef>
+        </p:style>
+        <p:txBody>
+          <a:bodyPr rtlCol="0" anchor="ctr"/>
+          <a:lstStyle/>
+          <a:p>
+            <a:pPr algn="ctr"/>
+            <a:endParaRPr lang="zh-CN" altLang="en-US"/>
+          </a:p>
+        </p:txBody>
+      </p:sp>
+      <p:sp>
+        <p:nvSpPr>
+          <p:cNvPr id="47" name="矩形 46">
+            <a:extLst>
+              <a:ext uri="{FF2B5EF4-FFF2-40B4-BE49-F238E27FC236}">
+                <a16:creationId xmlns:a16="http://schemas.microsoft.com/office/drawing/2014/main" id="{9C8B7076-EB5C-B3E8-7273-A3B2A34FB375}"/>
+              </a:ext>
+            </a:extLst>
+          </p:cNvPr>
+          <p:cNvSpPr/>
+          <p:nvPr/>
+        </p:nvSpPr>
+        <p:spPr>
+          <a:xfrm>
+            <a:off x="3174443" y="1326568"/>
+            <a:ext cx="201217" cy="122297"/>
+          </a:xfrm>
+          <a:prstGeom prst="rect">
+            <a:avLst/>
+          </a:prstGeom>
+          <a:noFill/>
+          <a:ln w="28575">
+            <a:solidFill>
+              <a:srgbClr val="C00000"/>
+            </a:solidFill>
+          </a:ln>
+        </p:spPr>
+        <p:style>
+          <a:lnRef idx="2">
+            <a:schemeClr val="accent1">
+              <a:shade val="15000"/>
+            </a:schemeClr>
+          </a:lnRef>
+          <a:fillRef idx="1">
+            <a:schemeClr val="accent1"/>
+          </a:fillRef>
+          <a:effectRef idx="0">
+            <a:schemeClr val="accent1"/>
+          </a:effectRef>
+          <a:fontRef idx="minor">
+            <a:schemeClr val="lt1"/>
+          </a:fontRef>
+        </p:style>
+        <p:txBody>
+          <a:bodyPr rtlCol="0" anchor="ctr"/>
+          <a:lstStyle/>
+          <a:p>
+            <a:pPr algn="ctr"/>
+            <a:endParaRPr lang="zh-CN" altLang="en-US"/>
+          </a:p>
+        </p:txBody>
+      </p:sp>
+      <p:sp>
+        <p:nvSpPr>
+          <p:cNvPr id="48" name="矩形 47">
+            <a:extLst>
+              <a:ext uri="{FF2B5EF4-FFF2-40B4-BE49-F238E27FC236}">
+                <a16:creationId xmlns:a16="http://schemas.microsoft.com/office/drawing/2014/main" id="{B4621C6F-7B17-4F47-8F70-60B2BAFF543B}"/>
+              </a:ext>
+            </a:extLst>
+          </p:cNvPr>
+          <p:cNvSpPr/>
+          <p:nvPr/>
+        </p:nvSpPr>
+        <p:spPr>
+          <a:xfrm>
+            <a:off x="3738323" y="1311328"/>
+            <a:ext cx="201217" cy="122297"/>
+          </a:xfrm>
+          <a:prstGeom prst="rect">
+            <a:avLst/>
+          </a:prstGeom>
+          <a:noFill/>
+          <a:ln w="28575">
+            <a:solidFill>
+              <a:srgbClr val="C00000"/>
+            </a:solidFill>
+          </a:ln>
+        </p:spPr>
+        <p:style>
+          <a:lnRef idx="2">
+            <a:schemeClr val="accent1">
+              <a:shade val="15000"/>
+            </a:schemeClr>
+          </a:lnRef>
+          <a:fillRef idx="1">
+            <a:schemeClr val="accent1"/>
+          </a:fillRef>
+          <a:effectRef idx="0">
+            <a:schemeClr val="accent1"/>
+          </a:effectRef>
+          <a:fontRef idx="minor">
+            <a:schemeClr val="lt1"/>
+          </a:fontRef>
+        </p:style>
+        <p:txBody>
+          <a:bodyPr rtlCol="0" anchor="ctr"/>
+          <a:lstStyle/>
+          <a:p>
+            <a:pPr algn="ctr"/>
+            <a:endParaRPr lang="zh-CN" altLang="en-US"/>
+          </a:p>
+        </p:txBody>
+      </p:sp>
+      <p:sp>
+        <p:nvSpPr>
+          <p:cNvPr id="49" name="矩形 48">
+            <a:extLst>
+              <a:ext uri="{FF2B5EF4-FFF2-40B4-BE49-F238E27FC236}">
+                <a16:creationId xmlns:a16="http://schemas.microsoft.com/office/drawing/2014/main" id="{BD861A54-2D0B-CAC8-0BE7-1C1B2726D6FD}"/>
+              </a:ext>
+            </a:extLst>
+          </p:cNvPr>
+          <p:cNvSpPr/>
+          <p:nvPr/>
+        </p:nvSpPr>
+        <p:spPr>
+          <a:xfrm>
+            <a:off x="5247083" y="1334188"/>
+            <a:ext cx="201217" cy="122297"/>
+          </a:xfrm>
+          <a:prstGeom prst="rect">
+            <a:avLst/>
+          </a:prstGeom>
+          <a:noFill/>
+          <a:ln w="28575">
+            <a:solidFill>
+              <a:srgbClr val="C00000"/>
+            </a:solidFill>
+          </a:ln>
+        </p:spPr>
+        <p:style>
+          <a:lnRef idx="2">
+            <a:schemeClr val="accent1">
+              <a:shade val="15000"/>
+            </a:schemeClr>
+          </a:lnRef>
+          <a:fillRef idx="1">
+            <a:schemeClr val="accent1"/>
+          </a:fillRef>
+          <a:effectRef idx="0">
+            <a:schemeClr val="accent1"/>
+          </a:effectRef>
+          <a:fontRef idx="minor">
+            <a:schemeClr val="lt1"/>
+          </a:fontRef>
+        </p:style>
+        <p:txBody>
+          <a:bodyPr rtlCol="0" anchor="ctr"/>
+          <a:lstStyle/>
+          <a:p>
+            <a:pPr algn="ctr"/>
+            <a:endParaRPr lang="zh-CN" altLang="en-US"/>
+          </a:p>
+        </p:txBody>
+      </p:sp>
+      <p:sp>
+        <p:nvSpPr>
+          <p:cNvPr id="50" name="矩形 49">
+            <a:extLst>
+              <a:ext uri="{FF2B5EF4-FFF2-40B4-BE49-F238E27FC236}">
+                <a16:creationId xmlns:a16="http://schemas.microsoft.com/office/drawing/2014/main" id="{D9F58B52-239B-3770-0DBD-82DA9036532F}"/>
+              </a:ext>
+            </a:extLst>
+          </p:cNvPr>
+          <p:cNvSpPr/>
+          <p:nvPr/>
+        </p:nvSpPr>
+        <p:spPr>
+          <a:xfrm>
+            <a:off x="5864303" y="1311328"/>
+            <a:ext cx="201217" cy="122297"/>
+          </a:xfrm>
+          <a:prstGeom prst="rect">
+            <a:avLst/>
+          </a:prstGeom>
+          <a:noFill/>
+          <a:ln w="28575">
+            <a:solidFill>
+              <a:srgbClr val="C00000"/>
+            </a:solidFill>
+          </a:ln>
+        </p:spPr>
+        <p:style>
+          <a:lnRef idx="2">
+            <a:schemeClr val="accent1">
+              <a:shade val="15000"/>
+            </a:schemeClr>
+          </a:lnRef>
+          <a:fillRef idx="1">
+            <a:schemeClr val="accent1"/>
+          </a:fillRef>
+          <a:effectRef idx="0">
+            <a:schemeClr val="accent1"/>
+          </a:effectRef>
+          <a:fontRef idx="minor">
+            <a:schemeClr val="lt1"/>
+          </a:fontRef>
+        </p:style>
+        <p:txBody>
+          <a:bodyPr rtlCol="0" anchor="ctr"/>
+          <a:lstStyle/>
+          <a:p>
+            <a:pPr algn="ctr"/>
+            <a:endParaRPr lang="zh-CN" altLang="en-US"/>
+          </a:p>
+        </p:txBody>
+      </p:sp>
+      <p:sp>
+        <p:nvSpPr>
+          <p:cNvPr id="51" name="矩形 50">
+            <a:extLst>
+              <a:ext uri="{FF2B5EF4-FFF2-40B4-BE49-F238E27FC236}">
+                <a16:creationId xmlns:a16="http://schemas.microsoft.com/office/drawing/2014/main" id="{213B2F6E-D4FC-518A-E0ED-8D46F51CCCF0}"/>
+              </a:ext>
+            </a:extLst>
+          </p:cNvPr>
+          <p:cNvSpPr/>
+          <p:nvPr/>
+        </p:nvSpPr>
+        <p:spPr>
+          <a:xfrm>
+            <a:off x="835103" y="1585648"/>
+            <a:ext cx="201217" cy="122297"/>
+          </a:xfrm>
+          <a:prstGeom prst="rect">
+            <a:avLst/>
+          </a:prstGeom>
+          <a:noFill/>
+          <a:ln w="28575">
+            <a:solidFill>
+              <a:srgbClr val="C00000"/>
+            </a:solidFill>
+          </a:ln>
+        </p:spPr>
+        <p:style>
+          <a:lnRef idx="2">
+            <a:schemeClr val="accent1">
+              <a:shade val="15000"/>
+            </a:schemeClr>
+          </a:lnRef>
+          <a:fillRef idx="1">
+            <a:schemeClr val="accent1"/>
+          </a:fillRef>
+          <a:effectRef idx="0">
+            <a:schemeClr val="accent1"/>
+          </a:effectRef>
+          <a:fontRef idx="minor">
+            <a:schemeClr val="lt1"/>
+          </a:fontRef>
+        </p:style>
+        <p:txBody>
+          <a:bodyPr rtlCol="0" anchor="ctr"/>
+          <a:lstStyle/>
+          <a:p>
+            <a:pPr algn="ctr"/>
+            <a:endParaRPr lang="zh-CN" altLang="en-US"/>
+          </a:p>
+        </p:txBody>
+      </p:sp>
+      <p:sp>
+        <p:nvSpPr>
+          <p:cNvPr id="52" name="矩形 51">
+            <a:extLst>
+              <a:ext uri="{FF2B5EF4-FFF2-40B4-BE49-F238E27FC236}">
+                <a16:creationId xmlns:a16="http://schemas.microsoft.com/office/drawing/2014/main" id="{7A690C88-111B-6AF7-503D-ECD5A94D9BA7}"/>
+              </a:ext>
+            </a:extLst>
+          </p:cNvPr>
+          <p:cNvSpPr/>
+          <p:nvPr/>
+        </p:nvSpPr>
+        <p:spPr>
+          <a:xfrm>
+            <a:off x="5163263" y="2484808"/>
+            <a:ext cx="201217" cy="122297"/>
+          </a:xfrm>
+          <a:prstGeom prst="rect">
+            <a:avLst/>
+          </a:prstGeom>
+          <a:noFill/>
+          <a:ln w="28575">
+            <a:solidFill>
+              <a:srgbClr val="C00000"/>
+            </a:solidFill>
+          </a:ln>
+        </p:spPr>
+        <p:style>
+          <a:lnRef idx="2">
+            <a:schemeClr val="accent1">
+              <a:shade val="15000"/>
+            </a:schemeClr>
+          </a:lnRef>
+          <a:fillRef idx="1">
+            <a:schemeClr val="accent1"/>
+          </a:fillRef>
+          <a:effectRef idx="0">
+            <a:schemeClr val="accent1"/>
+          </a:effectRef>
+          <a:fontRef idx="minor">
+            <a:schemeClr val="lt1"/>
+          </a:fontRef>
+        </p:style>
+        <p:txBody>
+          <a:bodyPr rtlCol="0" anchor="ctr"/>
+          <a:lstStyle/>
+          <a:p>
+            <a:pPr algn="ctr"/>
+            <a:endParaRPr lang="zh-CN" altLang="en-US"/>
+          </a:p>
+        </p:txBody>
+      </p:sp>
+      <p:sp>
+        <p:nvSpPr>
+          <p:cNvPr id="53" name="矩形 52">
+            <a:extLst>
+              <a:ext uri="{FF2B5EF4-FFF2-40B4-BE49-F238E27FC236}">
+                <a16:creationId xmlns:a16="http://schemas.microsoft.com/office/drawing/2014/main" id="{77E40991-3599-6CFA-62BE-2FAF90FB08C0}"/>
+              </a:ext>
+            </a:extLst>
+          </p:cNvPr>
+          <p:cNvSpPr/>
+          <p:nvPr/>
+        </p:nvSpPr>
+        <p:spPr>
+          <a:xfrm>
+            <a:off x="6054803" y="2500048"/>
+            <a:ext cx="201217" cy="122297"/>
+          </a:xfrm>
+          <a:prstGeom prst="rect">
+            <a:avLst/>
+          </a:prstGeom>
+          <a:noFill/>
+          <a:ln w="28575">
+            <a:solidFill>
+              <a:srgbClr val="C00000"/>
+            </a:solidFill>
+          </a:ln>
+        </p:spPr>
+        <p:style>
+          <a:lnRef idx="2">
+            <a:schemeClr val="accent1">
+              <a:shade val="15000"/>
+            </a:schemeClr>
+          </a:lnRef>
+          <a:fillRef idx="1">
+            <a:schemeClr val="accent1"/>
+          </a:fillRef>
+          <a:effectRef idx="0">
+            <a:schemeClr val="accent1"/>
+          </a:effectRef>
+          <a:fontRef idx="minor">
+            <a:schemeClr val="lt1"/>
+          </a:fontRef>
+        </p:style>
+        <p:txBody>
+          <a:bodyPr rtlCol="0" anchor="ctr"/>
+          <a:lstStyle/>
+          <a:p>
+            <a:pPr algn="ctr"/>
+            <a:endParaRPr lang="zh-CN" altLang="en-US"/>
+          </a:p>
+        </p:txBody>
+      </p:sp>
+      <p:sp>
+        <p:nvSpPr>
+          <p:cNvPr id="54" name="矩形 53">
+            <a:extLst>
+              <a:ext uri="{FF2B5EF4-FFF2-40B4-BE49-F238E27FC236}">
+                <a16:creationId xmlns:a16="http://schemas.microsoft.com/office/drawing/2014/main" id="{210AA376-8641-483A-8DB9-14D26DD6B07C}"/>
+              </a:ext>
+            </a:extLst>
+          </p:cNvPr>
+          <p:cNvSpPr/>
+          <p:nvPr/>
+        </p:nvSpPr>
+        <p:spPr>
+          <a:xfrm>
+            <a:off x="6191963" y="4526968"/>
+            <a:ext cx="201217" cy="122297"/>
+          </a:xfrm>
+          <a:prstGeom prst="rect">
+            <a:avLst/>
+          </a:prstGeom>
+          <a:noFill/>
+          <a:ln w="28575">
+            <a:solidFill>
+              <a:srgbClr val="C00000"/>
+            </a:solidFill>
+          </a:ln>
+        </p:spPr>
+        <p:style>
+          <a:lnRef idx="2">
+            <a:schemeClr val="accent1">
+              <a:shade val="15000"/>
+            </a:schemeClr>
+          </a:lnRef>
+          <a:fillRef idx="1">
+            <a:schemeClr val="accent1"/>
+          </a:fillRef>
+          <a:effectRef idx="0">
+            <a:schemeClr val="accent1"/>
+          </a:effectRef>
+          <a:fontRef idx="minor">
+            <a:schemeClr val="lt1"/>
+          </a:fontRef>
+        </p:style>
+        <p:txBody>
+          <a:bodyPr rtlCol="0" anchor="ctr"/>
+          <a:lstStyle/>
+          <a:p>
+            <a:pPr algn="ctr"/>
+            <a:endParaRPr lang="zh-CN" altLang="en-US"/>
+          </a:p>
+        </p:txBody>
+      </p:sp>
+      <p:sp>
+        <p:nvSpPr>
+          <p:cNvPr id="55" name="矩形 54">
+            <a:extLst>
+              <a:ext uri="{FF2B5EF4-FFF2-40B4-BE49-F238E27FC236}">
+                <a16:creationId xmlns:a16="http://schemas.microsoft.com/office/drawing/2014/main" id="{B42A1D48-42C9-E01B-EAB2-06C5D38271F1}"/>
+              </a:ext>
+            </a:extLst>
+          </p:cNvPr>
+          <p:cNvSpPr/>
+          <p:nvPr/>
+        </p:nvSpPr>
+        <p:spPr>
+          <a:xfrm>
+            <a:off x="1528523" y="4824148"/>
+            <a:ext cx="201217" cy="122297"/>
+          </a:xfrm>
+          <a:prstGeom prst="rect">
+            <a:avLst/>
+          </a:prstGeom>
+          <a:noFill/>
+          <a:ln w="28575">
+            <a:solidFill>
+              <a:srgbClr val="C00000"/>
+            </a:solidFill>
+          </a:ln>
+        </p:spPr>
+        <p:style>
+          <a:lnRef idx="2">
+            <a:schemeClr val="accent1">
+              <a:shade val="15000"/>
+            </a:schemeClr>
+          </a:lnRef>
+          <a:fillRef idx="1">
+            <a:schemeClr val="accent1"/>
+          </a:fillRef>
+          <a:effectRef idx="0">
+            <a:schemeClr val="accent1"/>
+          </a:effectRef>
+          <a:fontRef idx="minor">
+            <a:schemeClr val="lt1"/>
+          </a:fontRef>
+        </p:style>
+        <p:txBody>
+          <a:bodyPr rtlCol="0" anchor="ctr"/>
+          <a:lstStyle/>
+          <a:p>
+            <a:pPr algn="ctr"/>
+            <a:endParaRPr lang="zh-CN" altLang="en-US"/>
+          </a:p>
+        </p:txBody>
+      </p:sp>
+      <p:sp>
+        <p:nvSpPr>
+          <p:cNvPr id="56" name="矩形 55">
+            <a:extLst>
+              <a:ext uri="{FF2B5EF4-FFF2-40B4-BE49-F238E27FC236}">
+                <a16:creationId xmlns:a16="http://schemas.microsoft.com/office/drawing/2014/main" id="{BA998C9B-81BD-6845-0336-47509BDA925F}"/>
+              </a:ext>
+            </a:extLst>
+          </p:cNvPr>
+          <p:cNvSpPr/>
+          <p:nvPr/>
+        </p:nvSpPr>
+        <p:spPr>
+          <a:xfrm>
+            <a:off x="629363" y="3543988"/>
+            <a:ext cx="201217" cy="122297"/>
+          </a:xfrm>
+          <a:prstGeom prst="rect">
+            <a:avLst/>
+          </a:prstGeom>
+          <a:noFill/>
+          <a:ln w="28575">
+            <a:solidFill>
+              <a:srgbClr val="C00000"/>
+            </a:solidFill>
+          </a:ln>
+        </p:spPr>
+        <p:style>
+          <a:lnRef idx="2">
+            <a:schemeClr val="accent1">
+              <a:shade val="15000"/>
+            </a:schemeClr>
+          </a:lnRef>
+          <a:fillRef idx="1">
+            <a:schemeClr val="accent1"/>
+          </a:fillRef>
+          <a:effectRef idx="0">
+            <a:schemeClr val="accent1"/>
+          </a:effectRef>
+          <a:fontRef idx="minor">
+            <a:schemeClr val="lt1"/>
+          </a:fontRef>
+        </p:style>
+        <p:txBody>
+          <a:bodyPr rtlCol="0" anchor="ctr"/>
+          <a:lstStyle/>
+          <a:p>
+            <a:pPr algn="ctr"/>
+            <a:endParaRPr lang="zh-CN" altLang="en-US"/>
+          </a:p>
+        </p:txBody>
+      </p:sp>
+      <p:sp>
+        <p:nvSpPr>
+          <p:cNvPr id="57" name="矩形 56">
+            <a:extLst>
+              <a:ext uri="{FF2B5EF4-FFF2-40B4-BE49-F238E27FC236}">
+                <a16:creationId xmlns:a16="http://schemas.microsoft.com/office/drawing/2014/main" id="{06B1D309-FC58-E1F5-6697-1105F242A429}"/>
+              </a:ext>
+            </a:extLst>
+          </p:cNvPr>
+          <p:cNvSpPr/>
+          <p:nvPr/>
+        </p:nvSpPr>
+        <p:spPr>
+          <a:xfrm>
+            <a:off x="2503883" y="3543988"/>
+            <a:ext cx="201217" cy="122297"/>
+          </a:xfrm>
+          <a:prstGeom prst="rect">
+            <a:avLst/>
+          </a:prstGeom>
+          <a:noFill/>
+          <a:ln w="28575">
+            <a:solidFill>
+              <a:srgbClr val="C00000"/>
+            </a:solidFill>
+          </a:ln>
+        </p:spPr>
+        <p:style>
+          <a:lnRef idx="2">
+            <a:schemeClr val="accent1">
+              <a:shade val="15000"/>
+            </a:schemeClr>
+          </a:lnRef>
+          <a:fillRef idx="1">
+            <a:schemeClr val="accent1"/>
+          </a:fillRef>
+          <a:effectRef idx="0">
+            <a:schemeClr val="accent1"/>
+          </a:effectRef>
+          <a:fontRef idx="minor">
+            <a:schemeClr val="lt1"/>
+          </a:fontRef>
+        </p:style>
+        <p:txBody>
+          <a:bodyPr rtlCol="0" anchor="ctr"/>
+          <a:lstStyle/>
+          <a:p>
+            <a:pPr algn="ctr"/>
+            <a:endParaRPr lang="zh-CN" altLang="en-US"/>
+          </a:p>
+        </p:txBody>
+      </p:sp>
+    </p:spTree>
+    <p:extLst>
+      <p:ext uri="{BB962C8B-B14F-4D97-AF65-F5344CB8AC3E}">
+        <p14:creationId xmlns:p14="http://schemas.microsoft.com/office/powerpoint/2010/main" val="3512648298"/>
       </p:ext>
     </p:extLst>
   </p:cSld>

--- a/files/zhiyao/minor_issues.pptx
+++ b/files/zhiyao/minor_issues.pptx
@@ -3549,8 +3549,8 @@
           </a:p>
         </p:txBody>
       </p:sp>
-      <mc:AlternateContent xmlns:mc="http://schemas.openxmlformats.org/markup-compatibility/2006">
-        <mc:Choice xmlns:a14="http://schemas.microsoft.com/office/drawing/2010/main" Requires="a14">
+      <mc:AlternateContent xmlns:mc="http://schemas.openxmlformats.org/markup-compatibility/2006" xmlns:a14="http://schemas.microsoft.com/office/drawing/2010/main">
+        <mc:Choice Requires="a14">
           <p:sp>
             <p:nvSpPr>
               <p:cNvPr id="10" name="文本框 9">
@@ -3895,7 +3895,7 @@
             </p:txBody>
           </p:sp>
         </mc:Choice>
-        <mc:Fallback>
+        <mc:Fallback xmlns="">
           <p:sp>
             <p:nvSpPr>
               <p:cNvPr id="10" name="文本框 9">
@@ -3940,8 +3940,8 @@
           </p:sp>
         </mc:Fallback>
       </mc:AlternateContent>
-      <mc:AlternateContent xmlns:mc="http://schemas.openxmlformats.org/markup-compatibility/2006">
-        <mc:Choice xmlns:a14="http://schemas.microsoft.com/office/drawing/2010/main" Requires="a14">
+      <mc:AlternateContent xmlns:mc="http://schemas.openxmlformats.org/markup-compatibility/2006" xmlns:a14="http://schemas.microsoft.com/office/drawing/2010/main">
+        <mc:Choice Requires="a14">
           <p:sp>
             <p:nvSpPr>
               <p:cNvPr id="11" name="文本框 10">
@@ -4443,7 +4443,7 @@
             </p:txBody>
           </p:sp>
         </mc:Choice>
-        <mc:Fallback>
+        <mc:Fallback xmlns="">
           <p:sp>
             <p:nvSpPr>
               <p:cNvPr id="11" name="文本框 10">
@@ -4527,7 +4527,7 @@
                     <a:latin typeface="Times New Roman" panose="02020603050405020304" pitchFamily="18" charset="0"/>
                     <a:cs typeface="Times New Roman" panose="02020603050405020304" pitchFamily="18" charset="0"/>
                   </a:rPr>
-                  <a:t>The "break" command in line 8 should be substituted with "continue," indicating the continuation of the "for" loop with an increment of </a:t>
+                  <a:t>The "break" command in line 8 should be substituted with "continue" indicating the continuation of the "for" loop with an increment of </a:t>
                 </a:r>
                 <a:r>
                   <a:rPr lang="en-US" altLang="zh-CN" sz="1600" i="1" dirty="0">
@@ -4958,7 +4958,7 @@
                 <a:latin typeface="Times New Roman" panose="02020603050405020304" pitchFamily="18" charset="0"/>
                 <a:cs typeface="Times New Roman" panose="02020603050405020304" pitchFamily="18" charset="0"/>
               </a:rPr>
-              <a:t>I've noticed that some of the left and right quotation marks don't seem to match properly in APOLLO. This might be due to a configuration issue with LaTeX.</a:t>
+              <a:t>I have noticed that some of the left and right quotation in APOLLO marks don't seem to match properly. This might be due to a configuration issue with LaTeX.</a:t>
             </a:r>
             <a:endParaRPr lang="zh-CN" altLang="en-US" sz="1600" dirty="0">
               <a:solidFill>

--- a/files/zhiyao/minor_issues.pptx
+++ b/files/zhiyao/minor_issues.pptx
@@ -4488,8 +4488,8 @@
           </p:sp>
         </mc:Fallback>
       </mc:AlternateContent>
-      <mc:AlternateContent xmlns:mc="http://schemas.openxmlformats.org/markup-compatibility/2006">
-        <mc:Choice xmlns:a14="http://schemas.microsoft.com/office/drawing/2010/main" Requires="a14">
+      <mc:AlternateContent xmlns:mc="http://schemas.openxmlformats.org/markup-compatibility/2006" xmlns:a14="http://schemas.microsoft.com/office/drawing/2010/main">
+        <mc:Choice Requires="a14">
           <p:sp>
             <p:nvSpPr>
               <p:cNvPr id="12" name="文本框 11">
@@ -4678,7 +4678,7 @@
             </p:txBody>
           </p:sp>
         </mc:Choice>
-        <mc:Fallback>
+        <mc:Fallback xmlns="">
           <p:sp>
             <p:nvSpPr>
               <p:cNvPr id="12" name="文本框 11">
@@ -4935,7 +4935,7 @@
         </p:nvSpPr>
         <p:spPr>
           <a:xfrm>
-            <a:off x="6654800" y="1757630"/>
+            <a:off x="6590203" y="1413345"/>
             <a:ext cx="5188300" cy="830997"/>
           </a:xfrm>
           <a:prstGeom prst="rect">
@@ -4958,7 +4958,7 @@
                 <a:latin typeface="Times New Roman" panose="02020603050405020304" pitchFamily="18" charset="0"/>
                 <a:cs typeface="Times New Roman" panose="02020603050405020304" pitchFamily="18" charset="0"/>
               </a:rPr>
-              <a:t>I have noticed that some of the left and right quotation in APOLLO marks don't seem to match properly. This might be due to a configuration issue with LaTeX.</a:t>
+              <a:t>I have noticed that some of the left and right quotation marks in APOLLO don't seem to match properly. This might be due to a configuration issue with LaTeX.</a:t>
             </a:r>
             <a:endParaRPr lang="zh-CN" altLang="en-US" sz="1600" dirty="0">
               <a:solidFill>
@@ -4984,7 +4984,7 @@
         </p:nvSpPr>
         <p:spPr>
           <a:xfrm>
-            <a:off x="6654800" y="1277550"/>
+            <a:off x="6590203" y="933265"/>
             <a:ext cx="1198337" cy="523220"/>
           </a:xfrm>
           <a:prstGeom prst="rect">

--- a/files/zhiyao/minor_issues.pptx
+++ b/files/zhiyao/minor_issues.pptx
@@ -260,7 +260,7 @@
           <a:p>
             <a:fld id="{BD8744AD-7657-4663-A408-198282A8FDA6}" type="datetimeFigureOut">
               <a:rPr lang="zh-CN" altLang="en-US" smtClean="0"/>
-              <a:t>2023/8/19</a:t>
+              <a:t>2023/8/23</a:t>
             </a:fld>
             <a:endParaRPr lang="zh-CN" altLang="en-US"/>
           </a:p>
@@ -458,7 +458,7 @@
           <a:p>
             <a:fld id="{BD8744AD-7657-4663-A408-198282A8FDA6}" type="datetimeFigureOut">
               <a:rPr lang="zh-CN" altLang="en-US" smtClean="0"/>
-              <a:t>2023/8/19</a:t>
+              <a:t>2023/8/23</a:t>
             </a:fld>
             <a:endParaRPr lang="zh-CN" altLang="en-US"/>
           </a:p>
@@ -666,7 +666,7 @@
           <a:p>
             <a:fld id="{BD8744AD-7657-4663-A408-198282A8FDA6}" type="datetimeFigureOut">
               <a:rPr lang="zh-CN" altLang="en-US" smtClean="0"/>
-              <a:t>2023/8/19</a:t>
+              <a:t>2023/8/23</a:t>
             </a:fld>
             <a:endParaRPr lang="zh-CN" altLang="en-US"/>
           </a:p>
@@ -864,7 +864,7 @@
           <a:p>
             <a:fld id="{BD8744AD-7657-4663-A408-198282A8FDA6}" type="datetimeFigureOut">
               <a:rPr lang="zh-CN" altLang="en-US" smtClean="0"/>
-              <a:t>2023/8/19</a:t>
+              <a:t>2023/8/23</a:t>
             </a:fld>
             <a:endParaRPr lang="zh-CN" altLang="en-US"/>
           </a:p>
@@ -1139,7 +1139,7 @@
           <a:p>
             <a:fld id="{BD8744AD-7657-4663-A408-198282A8FDA6}" type="datetimeFigureOut">
               <a:rPr lang="zh-CN" altLang="en-US" smtClean="0"/>
-              <a:t>2023/8/19</a:t>
+              <a:t>2023/8/23</a:t>
             </a:fld>
             <a:endParaRPr lang="zh-CN" altLang="en-US"/>
           </a:p>
@@ -1404,7 +1404,7 @@
           <a:p>
             <a:fld id="{BD8744AD-7657-4663-A408-198282A8FDA6}" type="datetimeFigureOut">
               <a:rPr lang="zh-CN" altLang="en-US" smtClean="0"/>
-              <a:t>2023/8/19</a:t>
+              <a:t>2023/8/23</a:t>
             </a:fld>
             <a:endParaRPr lang="zh-CN" altLang="en-US"/>
           </a:p>
@@ -1816,7 +1816,7 @@
           <a:p>
             <a:fld id="{BD8744AD-7657-4663-A408-198282A8FDA6}" type="datetimeFigureOut">
               <a:rPr lang="zh-CN" altLang="en-US" smtClean="0"/>
-              <a:t>2023/8/19</a:t>
+              <a:t>2023/8/23</a:t>
             </a:fld>
             <a:endParaRPr lang="zh-CN" altLang="en-US"/>
           </a:p>
@@ -1957,7 +1957,7 @@
           <a:p>
             <a:fld id="{BD8744AD-7657-4663-A408-198282A8FDA6}" type="datetimeFigureOut">
               <a:rPr lang="zh-CN" altLang="en-US" smtClean="0"/>
-              <a:t>2023/8/19</a:t>
+              <a:t>2023/8/23</a:t>
             </a:fld>
             <a:endParaRPr lang="zh-CN" altLang="en-US"/>
           </a:p>
@@ -2070,7 +2070,7 @@
           <a:p>
             <a:fld id="{BD8744AD-7657-4663-A408-198282A8FDA6}" type="datetimeFigureOut">
               <a:rPr lang="zh-CN" altLang="en-US" smtClean="0"/>
-              <a:t>2023/8/19</a:t>
+              <a:t>2023/8/23</a:t>
             </a:fld>
             <a:endParaRPr lang="zh-CN" altLang="en-US"/>
           </a:p>
@@ -2381,7 +2381,7 @@
           <a:p>
             <a:fld id="{BD8744AD-7657-4663-A408-198282A8FDA6}" type="datetimeFigureOut">
               <a:rPr lang="zh-CN" altLang="en-US" smtClean="0"/>
-              <a:t>2023/8/19</a:t>
+              <a:t>2023/8/23</a:t>
             </a:fld>
             <a:endParaRPr lang="zh-CN" altLang="en-US"/>
           </a:p>
@@ -2669,7 +2669,7 @@
           <a:p>
             <a:fld id="{BD8744AD-7657-4663-A408-198282A8FDA6}" type="datetimeFigureOut">
               <a:rPr lang="zh-CN" altLang="en-US" smtClean="0"/>
-              <a:t>2023/8/19</a:t>
+              <a:t>2023/8/23</a:t>
             </a:fld>
             <a:endParaRPr lang="zh-CN" altLang="en-US"/>
           </a:p>
@@ -2910,7 +2910,7 @@
           <a:p>
             <a:fld id="{BD8744AD-7657-4663-A408-198282A8FDA6}" type="datetimeFigureOut">
               <a:rPr lang="zh-CN" altLang="en-US" smtClean="0"/>
-              <a:t>2023/8/19</a:t>
+              <a:t>2023/8/23</a:t>
             </a:fld>
             <a:endParaRPr lang="zh-CN" altLang="en-US"/>
           </a:p>
@@ -6095,6 +6095,318 @@
           </a:p>
         </p:txBody>
       </p:sp>
+      <p:sp>
+        <p:nvSpPr>
+          <p:cNvPr id="2" name="矩形 1">
+            <a:extLst>
+              <a:ext uri="{FF2B5EF4-FFF2-40B4-BE49-F238E27FC236}">
+                <a16:creationId xmlns:a16="http://schemas.microsoft.com/office/drawing/2014/main" id="{73C4231D-A9E4-950D-DF96-40E0F69D23E8}"/>
+              </a:ext>
+            </a:extLst>
+          </p:cNvPr>
+          <p:cNvSpPr/>
+          <p:nvPr/>
+        </p:nvSpPr>
+        <p:spPr>
+          <a:xfrm>
+            <a:off x="3838931" y="5814101"/>
+            <a:ext cx="201217" cy="122297"/>
+          </a:xfrm>
+          <a:prstGeom prst="rect">
+            <a:avLst/>
+          </a:prstGeom>
+          <a:noFill/>
+          <a:ln w="28575">
+            <a:solidFill>
+              <a:srgbClr val="C00000"/>
+            </a:solidFill>
+          </a:ln>
+        </p:spPr>
+        <p:style>
+          <a:lnRef idx="2">
+            <a:schemeClr val="accent1">
+              <a:shade val="15000"/>
+            </a:schemeClr>
+          </a:lnRef>
+          <a:fillRef idx="1">
+            <a:schemeClr val="accent1"/>
+          </a:fillRef>
+          <a:effectRef idx="0">
+            <a:schemeClr val="accent1"/>
+          </a:effectRef>
+          <a:fontRef idx="minor">
+            <a:schemeClr val="lt1"/>
+          </a:fontRef>
+        </p:style>
+        <p:txBody>
+          <a:bodyPr rtlCol="0" anchor="ctr"/>
+          <a:lstStyle/>
+          <a:p>
+            <a:pPr algn="ctr"/>
+            <a:endParaRPr lang="zh-CN" altLang="en-US"/>
+          </a:p>
+        </p:txBody>
+      </p:sp>
+      <p:sp>
+        <p:nvSpPr>
+          <p:cNvPr id="4" name="矩形 3">
+            <a:extLst>
+              <a:ext uri="{FF2B5EF4-FFF2-40B4-BE49-F238E27FC236}">
+                <a16:creationId xmlns:a16="http://schemas.microsoft.com/office/drawing/2014/main" id="{EB7DCBC1-39C2-371C-5824-0637697D9FEF}"/>
+              </a:ext>
+            </a:extLst>
+          </p:cNvPr>
+          <p:cNvSpPr/>
+          <p:nvPr/>
+        </p:nvSpPr>
+        <p:spPr>
+          <a:xfrm>
+            <a:off x="4381475" y="5826293"/>
+            <a:ext cx="201217" cy="122297"/>
+          </a:xfrm>
+          <a:prstGeom prst="rect">
+            <a:avLst/>
+          </a:prstGeom>
+          <a:noFill/>
+          <a:ln w="28575">
+            <a:solidFill>
+              <a:srgbClr val="C00000"/>
+            </a:solidFill>
+          </a:ln>
+        </p:spPr>
+        <p:style>
+          <a:lnRef idx="2">
+            <a:schemeClr val="accent1">
+              <a:shade val="15000"/>
+            </a:schemeClr>
+          </a:lnRef>
+          <a:fillRef idx="1">
+            <a:schemeClr val="accent1"/>
+          </a:fillRef>
+          <a:effectRef idx="0">
+            <a:schemeClr val="accent1"/>
+          </a:effectRef>
+          <a:fontRef idx="minor">
+            <a:schemeClr val="lt1"/>
+          </a:fontRef>
+        </p:style>
+        <p:txBody>
+          <a:bodyPr rtlCol="0" anchor="ctr"/>
+          <a:lstStyle/>
+          <a:p>
+            <a:pPr algn="ctr"/>
+            <a:endParaRPr lang="zh-CN" altLang="en-US"/>
+          </a:p>
+        </p:txBody>
+      </p:sp>
+      <p:sp>
+        <p:nvSpPr>
+          <p:cNvPr id="5" name="矩形 4">
+            <a:extLst>
+              <a:ext uri="{FF2B5EF4-FFF2-40B4-BE49-F238E27FC236}">
+                <a16:creationId xmlns:a16="http://schemas.microsoft.com/office/drawing/2014/main" id="{E8F26DFD-A4A2-3BB5-0260-D9EA7B8E3372}"/>
+              </a:ext>
+            </a:extLst>
+          </p:cNvPr>
+          <p:cNvSpPr/>
+          <p:nvPr/>
+        </p:nvSpPr>
+        <p:spPr>
+          <a:xfrm>
+            <a:off x="2225015" y="5826293"/>
+            <a:ext cx="201217" cy="122297"/>
+          </a:xfrm>
+          <a:prstGeom prst="rect">
+            <a:avLst/>
+          </a:prstGeom>
+          <a:noFill/>
+          <a:ln w="28575">
+            <a:solidFill>
+              <a:srgbClr val="C00000"/>
+            </a:solidFill>
+          </a:ln>
+        </p:spPr>
+        <p:style>
+          <a:lnRef idx="2">
+            <a:schemeClr val="accent1">
+              <a:shade val="15000"/>
+            </a:schemeClr>
+          </a:lnRef>
+          <a:fillRef idx="1">
+            <a:schemeClr val="accent1"/>
+          </a:fillRef>
+          <a:effectRef idx="0">
+            <a:schemeClr val="accent1"/>
+          </a:effectRef>
+          <a:fontRef idx="minor">
+            <a:schemeClr val="lt1"/>
+          </a:fontRef>
+        </p:style>
+        <p:txBody>
+          <a:bodyPr rtlCol="0" anchor="ctr"/>
+          <a:lstStyle/>
+          <a:p>
+            <a:pPr algn="ctr"/>
+            <a:endParaRPr lang="zh-CN" altLang="en-US"/>
+          </a:p>
+        </p:txBody>
+      </p:sp>
+      <p:sp>
+        <p:nvSpPr>
+          <p:cNvPr id="7" name="矩形 6">
+            <a:extLst>
+              <a:ext uri="{FF2B5EF4-FFF2-40B4-BE49-F238E27FC236}">
+                <a16:creationId xmlns:a16="http://schemas.microsoft.com/office/drawing/2014/main" id="{DF33AB02-EAC8-9F74-DBB7-D5D679F59FDB}"/>
+              </a:ext>
+            </a:extLst>
+          </p:cNvPr>
+          <p:cNvSpPr/>
+          <p:nvPr/>
+        </p:nvSpPr>
+        <p:spPr>
+          <a:xfrm>
+            <a:off x="502895" y="5818673"/>
+            <a:ext cx="201217" cy="122297"/>
+          </a:xfrm>
+          <a:prstGeom prst="rect">
+            <a:avLst/>
+          </a:prstGeom>
+          <a:noFill/>
+          <a:ln w="28575">
+            <a:solidFill>
+              <a:srgbClr val="C00000"/>
+            </a:solidFill>
+          </a:ln>
+        </p:spPr>
+        <p:style>
+          <a:lnRef idx="2">
+            <a:schemeClr val="accent1">
+              <a:shade val="15000"/>
+            </a:schemeClr>
+          </a:lnRef>
+          <a:fillRef idx="1">
+            <a:schemeClr val="accent1"/>
+          </a:fillRef>
+          <a:effectRef idx="0">
+            <a:schemeClr val="accent1"/>
+          </a:effectRef>
+          <a:fontRef idx="minor">
+            <a:schemeClr val="lt1"/>
+          </a:fontRef>
+        </p:style>
+        <p:txBody>
+          <a:bodyPr rtlCol="0" anchor="ctr"/>
+          <a:lstStyle/>
+          <a:p>
+            <a:pPr algn="ctr"/>
+            <a:endParaRPr lang="zh-CN" altLang="en-US"/>
+          </a:p>
+        </p:txBody>
+      </p:sp>
+      <p:sp>
+        <p:nvSpPr>
+          <p:cNvPr id="9" name="矩形 8">
+            <a:extLst>
+              <a:ext uri="{FF2B5EF4-FFF2-40B4-BE49-F238E27FC236}">
+                <a16:creationId xmlns:a16="http://schemas.microsoft.com/office/drawing/2014/main" id="{64F4B30C-3AF7-9C4B-EC06-A73EAAB6F13F}"/>
+              </a:ext>
+            </a:extLst>
+          </p:cNvPr>
+          <p:cNvSpPr/>
+          <p:nvPr/>
+        </p:nvSpPr>
+        <p:spPr>
+          <a:xfrm>
+            <a:off x="220955" y="6085373"/>
+            <a:ext cx="201217" cy="122297"/>
+          </a:xfrm>
+          <a:prstGeom prst="rect">
+            <a:avLst/>
+          </a:prstGeom>
+          <a:noFill/>
+          <a:ln w="28575">
+            <a:solidFill>
+              <a:srgbClr val="C00000"/>
+            </a:solidFill>
+          </a:ln>
+        </p:spPr>
+        <p:style>
+          <a:lnRef idx="2">
+            <a:schemeClr val="accent1">
+              <a:shade val="15000"/>
+            </a:schemeClr>
+          </a:lnRef>
+          <a:fillRef idx="1">
+            <a:schemeClr val="accent1"/>
+          </a:fillRef>
+          <a:effectRef idx="0">
+            <a:schemeClr val="accent1"/>
+          </a:effectRef>
+          <a:fontRef idx="minor">
+            <a:schemeClr val="lt1"/>
+          </a:fontRef>
+        </p:style>
+        <p:txBody>
+          <a:bodyPr rtlCol="0" anchor="ctr"/>
+          <a:lstStyle/>
+          <a:p>
+            <a:pPr algn="ctr"/>
+            <a:endParaRPr lang="zh-CN" altLang="en-US"/>
+          </a:p>
+        </p:txBody>
+      </p:sp>
+      <p:sp>
+        <p:nvSpPr>
+          <p:cNvPr id="10" name="矩形 9">
+            <a:extLst>
+              <a:ext uri="{FF2B5EF4-FFF2-40B4-BE49-F238E27FC236}">
+                <a16:creationId xmlns:a16="http://schemas.microsoft.com/office/drawing/2014/main" id="{61CA1F6C-7582-4653-40BC-1C0EA588FCCA}"/>
+              </a:ext>
+            </a:extLst>
+          </p:cNvPr>
+          <p:cNvSpPr/>
+          <p:nvPr/>
+        </p:nvSpPr>
+        <p:spPr>
+          <a:xfrm>
+            <a:off x="1272515" y="6100613"/>
+            <a:ext cx="201217" cy="122297"/>
+          </a:xfrm>
+          <a:prstGeom prst="rect">
+            <a:avLst/>
+          </a:prstGeom>
+          <a:noFill/>
+          <a:ln w="28575">
+            <a:solidFill>
+              <a:srgbClr val="C00000"/>
+            </a:solidFill>
+          </a:ln>
+        </p:spPr>
+        <p:style>
+          <a:lnRef idx="2">
+            <a:schemeClr val="accent1">
+              <a:shade val="15000"/>
+            </a:schemeClr>
+          </a:lnRef>
+          <a:fillRef idx="1">
+            <a:schemeClr val="accent1"/>
+          </a:fillRef>
+          <a:effectRef idx="0">
+            <a:schemeClr val="accent1"/>
+          </a:effectRef>
+          <a:fontRef idx="minor">
+            <a:schemeClr val="lt1"/>
+          </a:fontRef>
+        </p:style>
+        <p:txBody>
+          <a:bodyPr rtlCol="0" anchor="ctr"/>
+          <a:lstStyle/>
+          <a:p>
+            <a:pPr algn="ctr"/>
+            <a:endParaRPr lang="zh-CN" altLang="en-US"/>
+          </a:p>
+        </p:txBody>
+      </p:sp>
     </p:spTree>
     <p:extLst>
       <p:ext uri="{BB962C8B-B14F-4D97-AF65-F5344CB8AC3E}">
